--- a/MINI PROJECT PPT.pptx
+++ b/MINI PROJECT PPT.pptx
@@ -204,7 +204,7 @@
             <a:fld id="{088C4337-1BCD-4897-A42F-485BEC3A2640}" type="datetimeFigureOut">
               <a:rPr lang="en-US" smtClean="0"/>
               <a:pPr/>
-              <a:t>12/14/2020</a:t>
+              <a:t>12/15/2020</a:t>
             </a:fld>
             <a:endParaRPr lang="en-US"/>
           </a:p>
@@ -492,7 +492,7 @@
           <p:cNvPr id="2" name="Title 1">
             <a:extLst>
               <a:ext uri="{FF2B5EF4-FFF2-40B4-BE49-F238E27FC236}">
-                <a16:creationId xmlns="" xmlns:a16="http://schemas.microsoft.com/office/drawing/2014/main" id="{2D84724A-7A8D-41E7-9DE1-8D95979243B0}"/>
+                <a16:creationId xmlns:a16="http://schemas.microsoft.com/office/drawing/2014/main" xmlns="" id="{2D84724A-7A8D-41E7-9DE1-8D95979243B0}"/>
               </a:ext>
             </a:extLst>
           </p:cNvPr>
@@ -529,7 +529,7 @@
           <p:cNvPr id="3" name="Subtitle 2">
             <a:extLst>
               <a:ext uri="{FF2B5EF4-FFF2-40B4-BE49-F238E27FC236}">
-                <a16:creationId xmlns="" xmlns:a16="http://schemas.microsoft.com/office/drawing/2014/main" id="{71BD08DF-9735-4357-9906-BEFC7ECBA87A}"/>
+                <a16:creationId xmlns:a16="http://schemas.microsoft.com/office/drawing/2014/main" xmlns="" id="{71BD08DF-9735-4357-9906-BEFC7ECBA87A}"/>
               </a:ext>
             </a:extLst>
           </p:cNvPr>
@@ -599,7 +599,7 @@
           <p:cNvPr id="4" name="Date Placeholder 3">
             <a:extLst>
               <a:ext uri="{FF2B5EF4-FFF2-40B4-BE49-F238E27FC236}">
-                <a16:creationId xmlns="" xmlns:a16="http://schemas.microsoft.com/office/drawing/2014/main" id="{F52230C1-E0F6-4D42-81FC-06011A46AED8}"/>
+                <a16:creationId xmlns:a16="http://schemas.microsoft.com/office/drawing/2014/main" xmlns="" id="{F52230C1-E0F6-4D42-81FC-06011A46AED8}"/>
               </a:ext>
             </a:extLst>
           </p:cNvPr>
@@ -618,7 +618,7 @@
             <a:fld id="{FECFE18C-E9C1-4863-BAA6-9829D8A5E0A6}" type="datetime1">
               <a:rPr lang="en-US" smtClean="0"/>
               <a:pPr/>
-              <a:t>12/14/2020</a:t>
+              <a:t>12/15/2020</a:t>
             </a:fld>
             <a:endParaRPr lang="en-US"/>
           </a:p>
@@ -629,7 +629,7 @@
           <p:cNvPr id="5" name="Footer Placeholder 4">
             <a:extLst>
               <a:ext uri="{FF2B5EF4-FFF2-40B4-BE49-F238E27FC236}">
-                <a16:creationId xmlns="" xmlns:a16="http://schemas.microsoft.com/office/drawing/2014/main" id="{573A1DC2-83E8-4773-8EE4-6E2B7B4809CF}"/>
+                <a16:creationId xmlns:a16="http://schemas.microsoft.com/office/drawing/2014/main" xmlns="" id="{573A1DC2-83E8-4773-8EE4-6E2B7B4809CF}"/>
               </a:ext>
             </a:extLst>
           </p:cNvPr>
@@ -658,7 +658,7 @@
           <p:cNvPr id="6" name="Slide Number Placeholder 5">
             <a:extLst>
               <a:ext uri="{FF2B5EF4-FFF2-40B4-BE49-F238E27FC236}">
-                <a16:creationId xmlns="" xmlns:a16="http://schemas.microsoft.com/office/drawing/2014/main" id="{B84521B5-F5B0-41EA-B329-ACB661020C36}"/>
+                <a16:creationId xmlns:a16="http://schemas.microsoft.com/office/drawing/2014/main" xmlns="" id="{B84521B5-F5B0-41EA-B329-ACB661020C36}"/>
               </a:ext>
             </a:extLst>
           </p:cNvPr>
@@ -686,7 +686,7 @@
     </p:spTree>
     <p:extLst>
       <p:ext uri="{BB962C8B-B14F-4D97-AF65-F5344CB8AC3E}">
-        <p14:creationId xmlns="" xmlns:p14="http://schemas.microsoft.com/office/powerpoint/2010/main" val="3148886311"/>
+        <p14:creationId xmlns:p14="http://schemas.microsoft.com/office/powerpoint/2010/main" xmlns="" val="3148886311"/>
       </p:ext>
     </p:extLst>
   </p:cSld>
@@ -718,7 +718,7 @@
           <p:cNvPr id="2" name="Title 1">
             <a:extLst>
               <a:ext uri="{FF2B5EF4-FFF2-40B4-BE49-F238E27FC236}">
-                <a16:creationId xmlns="" xmlns:a16="http://schemas.microsoft.com/office/drawing/2014/main" id="{48193857-0E29-44B2-A51D-6279BF7C409C}"/>
+                <a16:creationId xmlns:a16="http://schemas.microsoft.com/office/drawing/2014/main" xmlns="" id="{48193857-0E29-44B2-A51D-6279BF7C409C}"/>
               </a:ext>
             </a:extLst>
           </p:cNvPr>
@@ -746,7 +746,7 @@
           <p:cNvPr id="3" name="Vertical Text Placeholder 2">
             <a:extLst>
               <a:ext uri="{FF2B5EF4-FFF2-40B4-BE49-F238E27FC236}">
-                <a16:creationId xmlns="" xmlns:a16="http://schemas.microsoft.com/office/drawing/2014/main" id="{A92079DE-BAB7-47C1-AAC3-D2DE62FEB39E}"/>
+                <a16:creationId xmlns:a16="http://schemas.microsoft.com/office/drawing/2014/main" xmlns="" id="{A92079DE-BAB7-47C1-AAC3-D2DE62FEB39E}"/>
               </a:ext>
             </a:extLst>
           </p:cNvPr>
@@ -803,7 +803,7 @@
           <p:cNvPr id="4" name="Date Placeholder 3">
             <a:extLst>
               <a:ext uri="{FF2B5EF4-FFF2-40B4-BE49-F238E27FC236}">
-                <a16:creationId xmlns="" xmlns:a16="http://schemas.microsoft.com/office/drawing/2014/main" id="{39B78D45-9254-46EF-9194-5D8B9DC2A954}"/>
+                <a16:creationId xmlns:a16="http://schemas.microsoft.com/office/drawing/2014/main" xmlns="" id="{39B78D45-9254-46EF-9194-5D8B9DC2A954}"/>
               </a:ext>
             </a:extLst>
           </p:cNvPr>
@@ -822,7 +822,7 @@
             <a:fld id="{3140D6D3-7DB8-4C85-A9D6-BD390FC8A49D}" type="datetime1">
               <a:rPr lang="en-US" smtClean="0"/>
               <a:pPr/>
-              <a:t>12/14/2020</a:t>
+              <a:t>12/15/2020</a:t>
             </a:fld>
             <a:endParaRPr lang="en-US"/>
           </a:p>
@@ -833,7 +833,7 @@
           <p:cNvPr id="5" name="Footer Placeholder 4">
             <a:extLst>
               <a:ext uri="{FF2B5EF4-FFF2-40B4-BE49-F238E27FC236}">
-                <a16:creationId xmlns="" xmlns:a16="http://schemas.microsoft.com/office/drawing/2014/main" id="{8A56B185-9D2A-45FD-AE61-F46440DE2EC7}"/>
+                <a16:creationId xmlns:a16="http://schemas.microsoft.com/office/drawing/2014/main" xmlns="" id="{8A56B185-9D2A-45FD-AE61-F46440DE2EC7}"/>
               </a:ext>
             </a:extLst>
           </p:cNvPr>
@@ -862,7 +862,7 @@
           <p:cNvPr id="6" name="Slide Number Placeholder 5">
             <a:extLst>
               <a:ext uri="{FF2B5EF4-FFF2-40B4-BE49-F238E27FC236}">
-                <a16:creationId xmlns="" xmlns:a16="http://schemas.microsoft.com/office/drawing/2014/main" id="{C1149BD3-9DCC-4D2E-8AAF-D8731CE03828}"/>
+                <a16:creationId xmlns:a16="http://schemas.microsoft.com/office/drawing/2014/main" xmlns="" id="{C1149BD3-9DCC-4D2E-8AAF-D8731CE03828}"/>
               </a:ext>
             </a:extLst>
           </p:cNvPr>
@@ -890,7 +890,7 @@
     </p:spTree>
     <p:extLst>
       <p:ext uri="{BB962C8B-B14F-4D97-AF65-F5344CB8AC3E}">
-        <p14:creationId xmlns="" xmlns:p14="http://schemas.microsoft.com/office/powerpoint/2010/main" val="4286902646"/>
+        <p14:creationId xmlns:p14="http://schemas.microsoft.com/office/powerpoint/2010/main" xmlns="" val="4286902646"/>
       </p:ext>
     </p:extLst>
   </p:cSld>
@@ -922,7 +922,7 @@
           <p:cNvPr id="2" name="Vertical Title 1">
             <a:extLst>
               <a:ext uri="{FF2B5EF4-FFF2-40B4-BE49-F238E27FC236}">
-                <a16:creationId xmlns="" xmlns:a16="http://schemas.microsoft.com/office/drawing/2014/main" id="{9413FF8D-A259-472D-8A39-31F768CC3562}"/>
+                <a16:creationId xmlns:a16="http://schemas.microsoft.com/office/drawing/2014/main" xmlns="" id="{9413FF8D-A259-472D-8A39-31F768CC3562}"/>
               </a:ext>
             </a:extLst>
           </p:cNvPr>
@@ -955,7 +955,7 @@
           <p:cNvPr id="3" name="Vertical Text Placeholder 2">
             <a:extLst>
               <a:ext uri="{FF2B5EF4-FFF2-40B4-BE49-F238E27FC236}">
-                <a16:creationId xmlns="" xmlns:a16="http://schemas.microsoft.com/office/drawing/2014/main" id="{9195CCAA-CBB1-4A59-886E-1B6332133611}"/>
+                <a16:creationId xmlns:a16="http://schemas.microsoft.com/office/drawing/2014/main" xmlns="" id="{9195CCAA-CBB1-4A59-886E-1B6332133611}"/>
               </a:ext>
             </a:extLst>
           </p:cNvPr>
@@ -1017,7 +1017,7 @@
           <p:cNvPr id="4" name="Date Placeholder 3">
             <a:extLst>
               <a:ext uri="{FF2B5EF4-FFF2-40B4-BE49-F238E27FC236}">
-                <a16:creationId xmlns="" xmlns:a16="http://schemas.microsoft.com/office/drawing/2014/main" id="{E232CE12-8222-4DE9-A613-01DF0E6FAE61}"/>
+                <a16:creationId xmlns:a16="http://schemas.microsoft.com/office/drawing/2014/main" xmlns="" id="{E232CE12-8222-4DE9-A613-01DF0E6FAE61}"/>
               </a:ext>
             </a:extLst>
           </p:cNvPr>
@@ -1036,7 +1036,7 @@
             <a:fld id="{E8E97A15-1891-480F-B4B4-B93A45236940}" type="datetime1">
               <a:rPr lang="en-US" smtClean="0"/>
               <a:pPr/>
-              <a:t>12/14/2020</a:t>
+              <a:t>12/15/2020</a:t>
             </a:fld>
             <a:endParaRPr lang="en-US"/>
           </a:p>
@@ -1047,7 +1047,7 @@
           <p:cNvPr id="5" name="Footer Placeholder 4">
             <a:extLst>
               <a:ext uri="{FF2B5EF4-FFF2-40B4-BE49-F238E27FC236}">
-                <a16:creationId xmlns="" xmlns:a16="http://schemas.microsoft.com/office/drawing/2014/main" id="{3A55FE0B-D99D-4B40-91FA-F36FF5152ECC}"/>
+                <a16:creationId xmlns:a16="http://schemas.microsoft.com/office/drawing/2014/main" xmlns="" id="{3A55FE0B-D99D-4B40-91FA-F36FF5152ECC}"/>
               </a:ext>
             </a:extLst>
           </p:cNvPr>
@@ -1076,7 +1076,7 @@
           <p:cNvPr id="6" name="Slide Number Placeholder 5">
             <a:extLst>
               <a:ext uri="{FF2B5EF4-FFF2-40B4-BE49-F238E27FC236}">
-                <a16:creationId xmlns="" xmlns:a16="http://schemas.microsoft.com/office/drawing/2014/main" id="{B101B251-1AC0-4EEC-A81E-98FE3C82DCDF}"/>
+                <a16:creationId xmlns:a16="http://schemas.microsoft.com/office/drawing/2014/main" xmlns="" id="{B101B251-1AC0-4EEC-A81E-98FE3C82DCDF}"/>
               </a:ext>
             </a:extLst>
           </p:cNvPr>
@@ -1104,7 +1104,7 @@
     </p:spTree>
     <p:extLst>
       <p:ext uri="{BB962C8B-B14F-4D97-AF65-F5344CB8AC3E}">
-        <p14:creationId xmlns="" xmlns:p14="http://schemas.microsoft.com/office/powerpoint/2010/main" val="1893446977"/>
+        <p14:creationId xmlns:p14="http://schemas.microsoft.com/office/powerpoint/2010/main" xmlns="" val="1893446977"/>
       </p:ext>
     </p:extLst>
   </p:cSld>
@@ -1136,7 +1136,7 @@
           <p:cNvPr id="2" name="Title 1">
             <a:extLst>
               <a:ext uri="{FF2B5EF4-FFF2-40B4-BE49-F238E27FC236}">
-                <a16:creationId xmlns="" xmlns:a16="http://schemas.microsoft.com/office/drawing/2014/main" id="{B5795E8D-8BF7-4291-A113-BC52FE73983F}"/>
+                <a16:creationId xmlns:a16="http://schemas.microsoft.com/office/drawing/2014/main" xmlns="" id="{B5795E8D-8BF7-4291-A113-BC52FE73983F}"/>
               </a:ext>
             </a:extLst>
           </p:cNvPr>
@@ -1164,7 +1164,7 @@
           <p:cNvPr id="3" name="Content Placeholder 2">
             <a:extLst>
               <a:ext uri="{FF2B5EF4-FFF2-40B4-BE49-F238E27FC236}">
-                <a16:creationId xmlns="" xmlns:a16="http://schemas.microsoft.com/office/drawing/2014/main" id="{448AF850-F257-4275-9BC8-00E92C841AB1}"/>
+                <a16:creationId xmlns:a16="http://schemas.microsoft.com/office/drawing/2014/main" xmlns="" id="{448AF850-F257-4275-9BC8-00E92C841AB1}"/>
               </a:ext>
             </a:extLst>
           </p:cNvPr>
@@ -1221,7 +1221,7 @@
           <p:cNvPr id="4" name="Date Placeholder 3">
             <a:extLst>
               <a:ext uri="{FF2B5EF4-FFF2-40B4-BE49-F238E27FC236}">
-                <a16:creationId xmlns="" xmlns:a16="http://schemas.microsoft.com/office/drawing/2014/main" id="{5F723FC6-DC27-4909-A060-70CF10560D5A}"/>
+                <a16:creationId xmlns:a16="http://schemas.microsoft.com/office/drawing/2014/main" xmlns="" id="{5F723FC6-DC27-4909-A060-70CF10560D5A}"/>
               </a:ext>
             </a:extLst>
           </p:cNvPr>
@@ -1240,7 +1240,7 @@
             <a:fld id="{B0DAE1A3-6704-40DE-AC2A-216360E5E7CE}" type="datetime1">
               <a:rPr lang="en-US" smtClean="0"/>
               <a:pPr/>
-              <a:t>12/14/2020</a:t>
+              <a:t>12/15/2020</a:t>
             </a:fld>
             <a:endParaRPr lang="en-US"/>
           </a:p>
@@ -1251,7 +1251,7 @@
           <p:cNvPr id="5" name="Footer Placeholder 4">
             <a:extLst>
               <a:ext uri="{FF2B5EF4-FFF2-40B4-BE49-F238E27FC236}">
-                <a16:creationId xmlns="" xmlns:a16="http://schemas.microsoft.com/office/drawing/2014/main" id="{A974AA33-4E59-48FB-950B-7B039FBD93D2}"/>
+                <a16:creationId xmlns:a16="http://schemas.microsoft.com/office/drawing/2014/main" xmlns="" id="{A974AA33-4E59-48FB-950B-7B039FBD93D2}"/>
               </a:ext>
             </a:extLst>
           </p:cNvPr>
@@ -1280,7 +1280,7 @@
           <p:cNvPr id="6" name="Slide Number Placeholder 5">
             <a:extLst>
               <a:ext uri="{FF2B5EF4-FFF2-40B4-BE49-F238E27FC236}">
-                <a16:creationId xmlns="" xmlns:a16="http://schemas.microsoft.com/office/drawing/2014/main" id="{4060E4AF-CC1F-4D22-A9F4-A7FDB24552A8}"/>
+                <a16:creationId xmlns:a16="http://schemas.microsoft.com/office/drawing/2014/main" xmlns="" id="{4060E4AF-CC1F-4D22-A9F4-A7FDB24552A8}"/>
               </a:ext>
             </a:extLst>
           </p:cNvPr>
@@ -1308,7 +1308,7 @@
     </p:spTree>
     <p:extLst>
       <p:ext uri="{BB962C8B-B14F-4D97-AF65-F5344CB8AC3E}">
-        <p14:creationId xmlns="" xmlns:p14="http://schemas.microsoft.com/office/powerpoint/2010/main" val="1779678178"/>
+        <p14:creationId xmlns:p14="http://schemas.microsoft.com/office/powerpoint/2010/main" xmlns="" val="1779678178"/>
       </p:ext>
     </p:extLst>
   </p:cSld>
@@ -1340,7 +1340,7 @@
           <p:cNvPr id="2" name="Title 1">
             <a:extLst>
               <a:ext uri="{FF2B5EF4-FFF2-40B4-BE49-F238E27FC236}">
-                <a16:creationId xmlns="" xmlns:a16="http://schemas.microsoft.com/office/drawing/2014/main" id="{1DA1818A-56E6-4EC0-87BB-F9B5B5C92450}"/>
+                <a16:creationId xmlns:a16="http://schemas.microsoft.com/office/drawing/2014/main" xmlns="" id="{1DA1818A-56E6-4EC0-87BB-F9B5B5C92450}"/>
               </a:ext>
             </a:extLst>
           </p:cNvPr>
@@ -1377,7 +1377,7 @@
           <p:cNvPr id="3" name="Text Placeholder 2">
             <a:extLst>
               <a:ext uri="{FF2B5EF4-FFF2-40B4-BE49-F238E27FC236}">
-                <a16:creationId xmlns="" xmlns:a16="http://schemas.microsoft.com/office/drawing/2014/main" id="{4054EDDC-9738-4752-B70A-94DF8079F6E9}"/>
+                <a16:creationId xmlns:a16="http://schemas.microsoft.com/office/drawing/2014/main" xmlns="" id="{4054EDDC-9738-4752-B70A-94DF8079F6E9}"/>
               </a:ext>
             </a:extLst>
           </p:cNvPr>
@@ -1502,7 +1502,7 @@
           <p:cNvPr id="4" name="Date Placeholder 3">
             <a:extLst>
               <a:ext uri="{FF2B5EF4-FFF2-40B4-BE49-F238E27FC236}">
-                <a16:creationId xmlns="" xmlns:a16="http://schemas.microsoft.com/office/drawing/2014/main" id="{F7406C4F-706D-42E9-9D0A-8259A359445B}"/>
+                <a16:creationId xmlns:a16="http://schemas.microsoft.com/office/drawing/2014/main" xmlns="" id="{F7406C4F-706D-42E9-9D0A-8259A359445B}"/>
               </a:ext>
             </a:extLst>
           </p:cNvPr>
@@ -1521,7 +1521,7 @@
             <a:fld id="{4296328B-B083-4C36-A0FC-D50642E09252}" type="datetime1">
               <a:rPr lang="en-US" smtClean="0"/>
               <a:pPr/>
-              <a:t>12/14/2020</a:t>
+              <a:t>12/15/2020</a:t>
             </a:fld>
             <a:endParaRPr lang="en-US"/>
           </a:p>
@@ -1532,7 +1532,7 @@
           <p:cNvPr id="5" name="Footer Placeholder 4">
             <a:extLst>
               <a:ext uri="{FF2B5EF4-FFF2-40B4-BE49-F238E27FC236}">
-                <a16:creationId xmlns="" xmlns:a16="http://schemas.microsoft.com/office/drawing/2014/main" id="{93B24CD9-CF0C-41FC-9EF4-C5A361730EA9}"/>
+                <a16:creationId xmlns:a16="http://schemas.microsoft.com/office/drawing/2014/main" xmlns="" id="{93B24CD9-CF0C-41FC-9EF4-C5A361730EA9}"/>
               </a:ext>
             </a:extLst>
           </p:cNvPr>
@@ -1561,7 +1561,7 @@
           <p:cNvPr id="6" name="Slide Number Placeholder 5">
             <a:extLst>
               <a:ext uri="{FF2B5EF4-FFF2-40B4-BE49-F238E27FC236}">
-                <a16:creationId xmlns="" xmlns:a16="http://schemas.microsoft.com/office/drawing/2014/main" id="{289E9DE4-D3C6-4A07-8CE8-04CC7537BB50}"/>
+                <a16:creationId xmlns:a16="http://schemas.microsoft.com/office/drawing/2014/main" xmlns="" id="{289E9DE4-D3C6-4A07-8CE8-04CC7537BB50}"/>
               </a:ext>
             </a:extLst>
           </p:cNvPr>
@@ -1589,7 +1589,7 @@
     </p:spTree>
     <p:extLst>
       <p:ext uri="{BB962C8B-B14F-4D97-AF65-F5344CB8AC3E}">
-        <p14:creationId xmlns="" xmlns:p14="http://schemas.microsoft.com/office/powerpoint/2010/main" val="2178297798"/>
+        <p14:creationId xmlns:p14="http://schemas.microsoft.com/office/powerpoint/2010/main" xmlns="" val="2178297798"/>
       </p:ext>
     </p:extLst>
   </p:cSld>
@@ -1621,7 +1621,7 @@
           <p:cNvPr id="2" name="Title 1">
             <a:extLst>
               <a:ext uri="{FF2B5EF4-FFF2-40B4-BE49-F238E27FC236}">
-                <a16:creationId xmlns="" xmlns:a16="http://schemas.microsoft.com/office/drawing/2014/main" id="{2E0C7922-1711-4FF6-A2F7-FAE28FDA14F4}"/>
+                <a16:creationId xmlns:a16="http://schemas.microsoft.com/office/drawing/2014/main" xmlns="" id="{2E0C7922-1711-4FF6-A2F7-FAE28FDA14F4}"/>
               </a:ext>
             </a:extLst>
           </p:cNvPr>
@@ -1649,7 +1649,7 @@
           <p:cNvPr id="3" name="Content Placeholder 2">
             <a:extLst>
               <a:ext uri="{FF2B5EF4-FFF2-40B4-BE49-F238E27FC236}">
-                <a16:creationId xmlns="" xmlns:a16="http://schemas.microsoft.com/office/drawing/2014/main" id="{35246A1A-FF2C-41E6-84FD-C42CB8E98C63}"/>
+                <a16:creationId xmlns:a16="http://schemas.microsoft.com/office/drawing/2014/main" xmlns="" id="{35246A1A-FF2C-41E6-84FD-C42CB8E98C63}"/>
               </a:ext>
             </a:extLst>
           </p:cNvPr>
@@ -1711,7 +1711,7 @@
           <p:cNvPr id="4" name="Content Placeholder 3">
             <a:extLst>
               <a:ext uri="{FF2B5EF4-FFF2-40B4-BE49-F238E27FC236}">
-                <a16:creationId xmlns="" xmlns:a16="http://schemas.microsoft.com/office/drawing/2014/main" id="{2C22E7CE-40A5-4CBC-AFAF-FFAFCF6F8991}"/>
+                <a16:creationId xmlns:a16="http://schemas.microsoft.com/office/drawing/2014/main" xmlns="" id="{2C22E7CE-40A5-4CBC-AFAF-FFAFCF6F8991}"/>
               </a:ext>
             </a:extLst>
           </p:cNvPr>
@@ -1773,7 +1773,7 @@
           <p:cNvPr id="5" name="Date Placeholder 4">
             <a:extLst>
               <a:ext uri="{FF2B5EF4-FFF2-40B4-BE49-F238E27FC236}">
-                <a16:creationId xmlns="" xmlns:a16="http://schemas.microsoft.com/office/drawing/2014/main" id="{ED049227-6634-4C82-858F-91643496CD4B}"/>
+                <a16:creationId xmlns:a16="http://schemas.microsoft.com/office/drawing/2014/main" xmlns="" id="{ED049227-6634-4C82-858F-91643496CD4B}"/>
               </a:ext>
             </a:extLst>
           </p:cNvPr>
@@ -1792,7 +1792,7 @@
             <a:fld id="{A6344FF4-BBFD-42F0-9E8C-8587A5D851FF}" type="datetime1">
               <a:rPr lang="en-US" smtClean="0"/>
               <a:pPr/>
-              <a:t>12/14/2020</a:t>
+              <a:t>12/15/2020</a:t>
             </a:fld>
             <a:endParaRPr lang="en-US"/>
           </a:p>
@@ -1803,7 +1803,7 @@
           <p:cNvPr id="6" name="Footer Placeholder 5">
             <a:extLst>
               <a:ext uri="{FF2B5EF4-FFF2-40B4-BE49-F238E27FC236}">
-                <a16:creationId xmlns="" xmlns:a16="http://schemas.microsoft.com/office/drawing/2014/main" id="{43C964DD-EF8B-4FF2-99F4-835E782E8B71}"/>
+                <a16:creationId xmlns:a16="http://schemas.microsoft.com/office/drawing/2014/main" xmlns="" id="{43C964DD-EF8B-4FF2-99F4-835E782E8B71}"/>
               </a:ext>
             </a:extLst>
           </p:cNvPr>
@@ -1832,7 +1832,7 @@
           <p:cNvPr id="7" name="Slide Number Placeholder 6">
             <a:extLst>
               <a:ext uri="{FF2B5EF4-FFF2-40B4-BE49-F238E27FC236}">
-                <a16:creationId xmlns="" xmlns:a16="http://schemas.microsoft.com/office/drawing/2014/main" id="{176738D6-8466-4421-8645-12331C3B172A}"/>
+                <a16:creationId xmlns:a16="http://schemas.microsoft.com/office/drawing/2014/main" xmlns="" id="{176738D6-8466-4421-8645-12331C3B172A}"/>
               </a:ext>
             </a:extLst>
           </p:cNvPr>
@@ -1860,7 +1860,7 @@
     </p:spTree>
     <p:extLst>
       <p:ext uri="{BB962C8B-B14F-4D97-AF65-F5344CB8AC3E}">
-        <p14:creationId xmlns="" xmlns:p14="http://schemas.microsoft.com/office/powerpoint/2010/main" val="723552477"/>
+        <p14:creationId xmlns:p14="http://schemas.microsoft.com/office/powerpoint/2010/main" xmlns="" val="723552477"/>
       </p:ext>
     </p:extLst>
   </p:cSld>
@@ -1892,7 +1892,7 @@
           <p:cNvPr id="2" name="Title 1">
             <a:extLst>
               <a:ext uri="{FF2B5EF4-FFF2-40B4-BE49-F238E27FC236}">
-                <a16:creationId xmlns="" xmlns:a16="http://schemas.microsoft.com/office/drawing/2014/main" id="{2A6ECAF4-0FFB-413F-861A-0519DC8DAC5D}"/>
+                <a16:creationId xmlns:a16="http://schemas.microsoft.com/office/drawing/2014/main" xmlns="" id="{2A6ECAF4-0FFB-413F-861A-0519DC8DAC5D}"/>
               </a:ext>
             </a:extLst>
           </p:cNvPr>
@@ -1925,7 +1925,7 @@
           <p:cNvPr id="3" name="Text Placeholder 2">
             <a:extLst>
               <a:ext uri="{FF2B5EF4-FFF2-40B4-BE49-F238E27FC236}">
-                <a16:creationId xmlns="" xmlns:a16="http://schemas.microsoft.com/office/drawing/2014/main" id="{BB210A23-5A33-4FD2-8D21-98DF4CAFAC32}"/>
+                <a16:creationId xmlns:a16="http://schemas.microsoft.com/office/drawing/2014/main" xmlns="" id="{BB210A23-5A33-4FD2-8D21-98DF4CAFAC32}"/>
               </a:ext>
             </a:extLst>
           </p:cNvPr>
@@ -1996,7 +1996,7 @@
           <p:cNvPr id="4" name="Content Placeholder 3">
             <a:extLst>
               <a:ext uri="{FF2B5EF4-FFF2-40B4-BE49-F238E27FC236}">
-                <a16:creationId xmlns="" xmlns:a16="http://schemas.microsoft.com/office/drawing/2014/main" id="{3CEDD149-7E5B-4711-9C42-76D65D775726}"/>
+                <a16:creationId xmlns:a16="http://schemas.microsoft.com/office/drawing/2014/main" xmlns="" id="{3CEDD149-7E5B-4711-9C42-76D65D775726}"/>
               </a:ext>
             </a:extLst>
           </p:cNvPr>
@@ -2058,7 +2058,7 @@
           <p:cNvPr id="5" name="Text Placeholder 4">
             <a:extLst>
               <a:ext uri="{FF2B5EF4-FFF2-40B4-BE49-F238E27FC236}">
-                <a16:creationId xmlns="" xmlns:a16="http://schemas.microsoft.com/office/drawing/2014/main" id="{7DCC1FB6-471A-4B34-B03C-BB481741ABDD}"/>
+                <a16:creationId xmlns:a16="http://schemas.microsoft.com/office/drawing/2014/main" xmlns="" id="{7DCC1FB6-471A-4B34-B03C-BB481741ABDD}"/>
               </a:ext>
             </a:extLst>
           </p:cNvPr>
@@ -2129,7 +2129,7 @@
           <p:cNvPr id="6" name="Content Placeholder 5">
             <a:extLst>
               <a:ext uri="{FF2B5EF4-FFF2-40B4-BE49-F238E27FC236}">
-                <a16:creationId xmlns="" xmlns:a16="http://schemas.microsoft.com/office/drawing/2014/main" id="{516C0107-A189-4E19-8E3F-68B9E2879E8F}"/>
+                <a16:creationId xmlns:a16="http://schemas.microsoft.com/office/drawing/2014/main" xmlns="" id="{516C0107-A189-4E19-8E3F-68B9E2879E8F}"/>
               </a:ext>
             </a:extLst>
           </p:cNvPr>
@@ -2191,7 +2191,7 @@
           <p:cNvPr id="7" name="Date Placeholder 6">
             <a:extLst>
               <a:ext uri="{FF2B5EF4-FFF2-40B4-BE49-F238E27FC236}">
-                <a16:creationId xmlns="" xmlns:a16="http://schemas.microsoft.com/office/drawing/2014/main" id="{334A8A04-0E31-4369-8400-9B1B6F013716}"/>
+                <a16:creationId xmlns:a16="http://schemas.microsoft.com/office/drawing/2014/main" xmlns="" id="{334A8A04-0E31-4369-8400-9B1B6F013716}"/>
               </a:ext>
             </a:extLst>
           </p:cNvPr>
@@ -2210,7 +2210,7 @@
             <a:fld id="{55568EDF-363B-466D-A708-7A0F5ABB8E7E}" type="datetime1">
               <a:rPr lang="en-US" smtClean="0"/>
               <a:pPr/>
-              <a:t>12/14/2020</a:t>
+              <a:t>12/15/2020</a:t>
             </a:fld>
             <a:endParaRPr lang="en-US"/>
           </a:p>
@@ -2221,7 +2221,7 @@
           <p:cNvPr id="8" name="Footer Placeholder 7">
             <a:extLst>
               <a:ext uri="{FF2B5EF4-FFF2-40B4-BE49-F238E27FC236}">
-                <a16:creationId xmlns="" xmlns:a16="http://schemas.microsoft.com/office/drawing/2014/main" id="{551FB54F-9CB7-4CE2-9011-B6D82A927065}"/>
+                <a16:creationId xmlns:a16="http://schemas.microsoft.com/office/drawing/2014/main" xmlns="" id="{551FB54F-9CB7-4CE2-9011-B6D82A927065}"/>
               </a:ext>
             </a:extLst>
           </p:cNvPr>
@@ -2250,7 +2250,7 @@
           <p:cNvPr id="9" name="Slide Number Placeholder 8">
             <a:extLst>
               <a:ext uri="{FF2B5EF4-FFF2-40B4-BE49-F238E27FC236}">
-                <a16:creationId xmlns="" xmlns:a16="http://schemas.microsoft.com/office/drawing/2014/main" id="{642E1883-C78A-41E4-BA85-60593AF60D1F}"/>
+                <a16:creationId xmlns:a16="http://schemas.microsoft.com/office/drawing/2014/main" xmlns="" id="{642E1883-C78A-41E4-BA85-60593AF60D1F}"/>
               </a:ext>
             </a:extLst>
           </p:cNvPr>
@@ -2278,7 +2278,7 @@
     </p:spTree>
     <p:extLst>
       <p:ext uri="{BB962C8B-B14F-4D97-AF65-F5344CB8AC3E}">
-        <p14:creationId xmlns="" xmlns:p14="http://schemas.microsoft.com/office/powerpoint/2010/main" val="257552279"/>
+        <p14:creationId xmlns:p14="http://schemas.microsoft.com/office/powerpoint/2010/main" xmlns="" val="257552279"/>
       </p:ext>
     </p:extLst>
   </p:cSld>
@@ -2310,7 +2310,7 @@
           <p:cNvPr id="2" name="Title 1">
             <a:extLst>
               <a:ext uri="{FF2B5EF4-FFF2-40B4-BE49-F238E27FC236}">
-                <a16:creationId xmlns="" xmlns:a16="http://schemas.microsoft.com/office/drawing/2014/main" id="{F159ED35-C325-4BC4-909B-D08AC26C4E46}"/>
+                <a16:creationId xmlns:a16="http://schemas.microsoft.com/office/drawing/2014/main" xmlns="" id="{F159ED35-C325-4BC4-909B-D08AC26C4E46}"/>
               </a:ext>
             </a:extLst>
           </p:cNvPr>
@@ -2338,7 +2338,7 @@
           <p:cNvPr id="3" name="Date Placeholder 2">
             <a:extLst>
               <a:ext uri="{FF2B5EF4-FFF2-40B4-BE49-F238E27FC236}">
-                <a16:creationId xmlns="" xmlns:a16="http://schemas.microsoft.com/office/drawing/2014/main" id="{E927F40B-5ADC-475A-839C-B673B9714709}"/>
+                <a16:creationId xmlns:a16="http://schemas.microsoft.com/office/drawing/2014/main" xmlns="" id="{E927F40B-5ADC-475A-839C-B673B9714709}"/>
               </a:ext>
             </a:extLst>
           </p:cNvPr>
@@ -2357,7 +2357,7 @@
             <a:fld id="{3D039A01-9C63-476C-87ED-DB49BDFB5FBC}" type="datetime1">
               <a:rPr lang="en-US" smtClean="0"/>
               <a:pPr/>
-              <a:t>12/14/2020</a:t>
+              <a:t>12/15/2020</a:t>
             </a:fld>
             <a:endParaRPr lang="en-US"/>
           </a:p>
@@ -2368,7 +2368,7 @@
           <p:cNvPr id="4" name="Footer Placeholder 3">
             <a:extLst>
               <a:ext uri="{FF2B5EF4-FFF2-40B4-BE49-F238E27FC236}">
-                <a16:creationId xmlns="" xmlns:a16="http://schemas.microsoft.com/office/drawing/2014/main" id="{163FBCA5-875B-4891-87D2-48807691D326}"/>
+                <a16:creationId xmlns:a16="http://schemas.microsoft.com/office/drawing/2014/main" xmlns="" id="{163FBCA5-875B-4891-87D2-48807691D326}"/>
               </a:ext>
             </a:extLst>
           </p:cNvPr>
@@ -2397,7 +2397,7 @@
           <p:cNvPr id="5" name="Slide Number Placeholder 4">
             <a:extLst>
               <a:ext uri="{FF2B5EF4-FFF2-40B4-BE49-F238E27FC236}">
-                <a16:creationId xmlns="" xmlns:a16="http://schemas.microsoft.com/office/drawing/2014/main" id="{65B43CBB-F7D9-43B8-A260-798EB8C6145F}"/>
+                <a16:creationId xmlns:a16="http://schemas.microsoft.com/office/drawing/2014/main" xmlns="" id="{65B43CBB-F7D9-43B8-A260-798EB8C6145F}"/>
               </a:ext>
             </a:extLst>
           </p:cNvPr>
@@ -2425,7 +2425,7 @@
     </p:spTree>
     <p:extLst>
       <p:ext uri="{BB962C8B-B14F-4D97-AF65-F5344CB8AC3E}">
-        <p14:creationId xmlns="" xmlns:p14="http://schemas.microsoft.com/office/powerpoint/2010/main" val="2831026372"/>
+        <p14:creationId xmlns:p14="http://schemas.microsoft.com/office/powerpoint/2010/main" xmlns="" val="2831026372"/>
       </p:ext>
     </p:extLst>
   </p:cSld>
@@ -2457,7 +2457,7 @@
           <p:cNvPr id="2" name="Date Placeholder 1">
             <a:extLst>
               <a:ext uri="{FF2B5EF4-FFF2-40B4-BE49-F238E27FC236}">
-                <a16:creationId xmlns="" xmlns:a16="http://schemas.microsoft.com/office/drawing/2014/main" id="{60D1632B-3226-479F-9592-EAE08FFF3A79}"/>
+                <a16:creationId xmlns:a16="http://schemas.microsoft.com/office/drawing/2014/main" xmlns="" id="{60D1632B-3226-479F-9592-EAE08FFF3A79}"/>
               </a:ext>
             </a:extLst>
           </p:cNvPr>
@@ -2476,7 +2476,7 @@
             <a:fld id="{FDA2E354-99C7-4652-8899-7D6297F425F0}" type="datetime1">
               <a:rPr lang="en-US" smtClean="0"/>
               <a:pPr/>
-              <a:t>12/14/2020</a:t>
+              <a:t>12/15/2020</a:t>
             </a:fld>
             <a:endParaRPr lang="en-US"/>
           </a:p>
@@ -2487,7 +2487,7 @@
           <p:cNvPr id="3" name="Footer Placeholder 2">
             <a:extLst>
               <a:ext uri="{FF2B5EF4-FFF2-40B4-BE49-F238E27FC236}">
-                <a16:creationId xmlns="" xmlns:a16="http://schemas.microsoft.com/office/drawing/2014/main" id="{BE79CD9C-F6EA-4AE9-955E-CE7EA45BE394}"/>
+                <a16:creationId xmlns:a16="http://schemas.microsoft.com/office/drawing/2014/main" xmlns="" id="{BE79CD9C-F6EA-4AE9-955E-CE7EA45BE394}"/>
               </a:ext>
             </a:extLst>
           </p:cNvPr>
@@ -2516,7 +2516,7 @@
           <p:cNvPr id="4" name="Slide Number Placeholder 3">
             <a:extLst>
               <a:ext uri="{FF2B5EF4-FFF2-40B4-BE49-F238E27FC236}">
-                <a16:creationId xmlns="" xmlns:a16="http://schemas.microsoft.com/office/drawing/2014/main" id="{F050486E-B0E8-4DC9-833D-E1B18CE45C50}"/>
+                <a16:creationId xmlns:a16="http://schemas.microsoft.com/office/drawing/2014/main" xmlns="" id="{F050486E-B0E8-4DC9-833D-E1B18CE45C50}"/>
               </a:ext>
             </a:extLst>
           </p:cNvPr>
@@ -2544,7 +2544,7 @@
     </p:spTree>
     <p:extLst>
       <p:ext uri="{BB962C8B-B14F-4D97-AF65-F5344CB8AC3E}">
-        <p14:creationId xmlns="" xmlns:p14="http://schemas.microsoft.com/office/powerpoint/2010/main" val="1005877729"/>
+        <p14:creationId xmlns:p14="http://schemas.microsoft.com/office/powerpoint/2010/main" xmlns="" val="1005877729"/>
       </p:ext>
     </p:extLst>
   </p:cSld>
@@ -2576,7 +2576,7 @@
           <p:cNvPr id="2" name="Title 1">
             <a:extLst>
               <a:ext uri="{FF2B5EF4-FFF2-40B4-BE49-F238E27FC236}">
-                <a16:creationId xmlns="" xmlns:a16="http://schemas.microsoft.com/office/drawing/2014/main" id="{A65C0A11-4F9F-4966-8A65-F41C8BF5C638}"/>
+                <a16:creationId xmlns:a16="http://schemas.microsoft.com/office/drawing/2014/main" xmlns="" id="{A65C0A11-4F9F-4966-8A65-F41C8BF5C638}"/>
               </a:ext>
             </a:extLst>
           </p:cNvPr>
@@ -2613,7 +2613,7 @@
           <p:cNvPr id="3" name="Content Placeholder 2">
             <a:extLst>
               <a:ext uri="{FF2B5EF4-FFF2-40B4-BE49-F238E27FC236}">
-                <a16:creationId xmlns="" xmlns:a16="http://schemas.microsoft.com/office/drawing/2014/main" id="{44582991-5BA2-445C-A8DF-436E87A25E61}"/>
+                <a16:creationId xmlns:a16="http://schemas.microsoft.com/office/drawing/2014/main" xmlns="" id="{44582991-5BA2-445C-A8DF-436E87A25E61}"/>
               </a:ext>
             </a:extLst>
           </p:cNvPr>
@@ -2703,7 +2703,7 @@
           <p:cNvPr id="4" name="Text Placeholder 3">
             <a:extLst>
               <a:ext uri="{FF2B5EF4-FFF2-40B4-BE49-F238E27FC236}">
-                <a16:creationId xmlns="" xmlns:a16="http://schemas.microsoft.com/office/drawing/2014/main" id="{E2BD49E6-9298-4247-8698-911221048AF1}"/>
+                <a16:creationId xmlns:a16="http://schemas.microsoft.com/office/drawing/2014/main" xmlns="" id="{E2BD49E6-9298-4247-8698-911221048AF1}"/>
               </a:ext>
             </a:extLst>
           </p:cNvPr>
@@ -2774,7 +2774,7 @@
           <p:cNvPr id="5" name="Date Placeholder 4">
             <a:extLst>
               <a:ext uri="{FF2B5EF4-FFF2-40B4-BE49-F238E27FC236}">
-                <a16:creationId xmlns="" xmlns:a16="http://schemas.microsoft.com/office/drawing/2014/main" id="{DE79E4B0-A073-4A0D-9023-B514ABF4FFC3}"/>
+                <a16:creationId xmlns:a16="http://schemas.microsoft.com/office/drawing/2014/main" xmlns="" id="{DE79E4B0-A073-4A0D-9023-B514ABF4FFC3}"/>
               </a:ext>
             </a:extLst>
           </p:cNvPr>
@@ -2793,7 +2793,7 @@
             <a:fld id="{DA4BFD5B-138D-440F-AB6C-B3E4ADA24DA2}" type="datetime1">
               <a:rPr lang="en-US" smtClean="0"/>
               <a:pPr/>
-              <a:t>12/14/2020</a:t>
+              <a:t>12/15/2020</a:t>
             </a:fld>
             <a:endParaRPr lang="en-US"/>
           </a:p>
@@ -2804,7 +2804,7 @@
           <p:cNvPr id="6" name="Footer Placeholder 5">
             <a:extLst>
               <a:ext uri="{FF2B5EF4-FFF2-40B4-BE49-F238E27FC236}">
-                <a16:creationId xmlns="" xmlns:a16="http://schemas.microsoft.com/office/drawing/2014/main" id="{936CD771-673B-420D-A897-E8CF124CFD5B}"/>
+                <a16:creationId xmlns:a16="http://schemas.microsoft.com/office/drawing/2014/main" xmlns="" id="{936CD771-673B-420D-A897-E8CF124CFD5B}"/>
               </a:ext>
             </a:extLst>
           </p:cNvPr>
@@ -2833,7 +2833,7 @@
           <p:cNvPr id="7" name="Slide Number Placeholder 6">
             <a:extLst>
               <a:ext uri="{FF2B5EF4-FFF2-40B4-BE49-F238E27FC236}">
-                <a16:creationId xmlns="" xmlns:a16="http://schemas.microsoft.com/office/drawing/2014/main" id="{9541D68E-C63F-4CB3-8594-C5CAEAD56811}"/>
+                <a16:creationId xmlns:a16="http://schemas.microsoft.com/office/drawing/2014/main" xmlns="" id="{9541D68E-C63F-4CB3-8594-C5CAEAD56811}"/>
               </a:ext>
             </a:extLst>
           </p:cNvPr>
@@ -2861,7 +2861,7 @@
     </p:spTree>
     <p:extLst>
       <p:ext uri="{BB962C8B-B14F-4D97-AF65-F5344CB8AC3E}">
-        <p14:creationId xmlns="" xmlns:p14="http://schemas.microsoft.com/office/powerpoint/2010/main" val="3920464545"/>
+        <p14:creationId xmlns:p14="http://schemas.microsoft.com/office/powerpoint/2010/main" xmlns="" val="3920464545"/>
       </p:ext>
     </p:extLst>
   </p:cSld>
@@ -2893,7 +2893,7 @@
           <p:cNvPr id="2" name="Title 1">
             <a:extLst>
               <a:ext uri="{FF2B5EF4-FFF2-40B4-BE49-F238E27FC236}">
-                <a16:creationId xmlns="" xmlns:a16="http://schemas.microsoft.com/office/drawing/2014/main" id="{19ABE3C5-29AB-47B4-BCE5-3E484A89B54B}"/>
+                <a16:creationId xmlns:a16="http://schemas.microsoft.com/office/drawing/2014/main" xmlns="" id="{19ABE3C5-29AB-47B4-BCE5-3E484A89B54B}"/>
               </a:ext>
             </a:extLst>
           </p:cNvPr>
@@ -2930,7 +2930,7 @@
           <p:cNvPr id="3" name="Picture Placeholder 2">
             <a:extLst>
               <a:ext uri="{FF2B5EF4-FFF2-40B4-BE49-F238E27FC236}">
-                <a16:creationId xmlns="" xmlns:a16="http://schemas.microsoft.com/office/drawing/2014/main" id="{19BABA7C-2AF1-4480-889B-EA8D727128DA}"/>
+                <a16:creationId xmlns:a16="http://schemas.microsoft.com/office/drawing/2014/main" xmlns="" id="{19BABA7C-2AF1-4480-889B-EA8D727128DA}"/>
               </a:ext>
             </a:extLst>
           </p:cNvPr>
@@ -2997,7 +2997,7 @@
           <p:cNvPr id="4" name="Text Placeholder 3">
             <a:extLst>
               <a:ext uri="{FF2B5EF4-FFF2-40B4-BE49-F238E27FC236}">
-                <a16:creationId xmlns="" xmlns:a16="http://schemas.microsoft.com/office/drawing/2014/main" id="{023D8E97-7367-4DDE-94E5-D980E77841F3}"/>
+                <a16:creationId xmlns:a16="http://schemas.microsoft.com/office/drawing/2014/main" xmlns="" id="{023D8E97-7367-4DDE-94E5-D980E77841F3}"/>
               </a:ext>
             </a:extLst>
           </p:cNvPr>
@@ -3068,7 +3068,7 @@
           <p:cNvPr id="5" name="Date Placeholder 4">
             <a:extLst>
               <a:ext uri="{FF2B5EF4-FFF2-40B4-BE49-F238E27FC236}">
-                <a16:creationId xmlns="" xmlns:a16="http://schemas.microsoft.com/office/drawing/2014/main" id="{A9737AEF-5E58-4930-824E-F9AECB90F3B6}"/>
+                <a16:creationId xmlns:a16="http://schemas.microsoft.com/office/drawing/2014/main" xmlns="" id="{A9737AEF-5E58-4930-824E-F9AECB90F3B6}"/>
               </a:ext>
             </a:extLst>
           </p:cNvPr>
@@ -3087,7 +3087,7 @@
             <a:fld id="{5111CF83-57E3-4671-A0A4-C5C31BC318D6}" type="datetime1">
               <a:rPr lang="en-US" smtClean="0"/>
               <a:pPr/>
-              <a:t>12/14/2020</a:t>
+              <a:t>12/15/2020</a:t>
             </a:fld>
             <a:endParaRPr lang="en-US"/>
           </a:p>
@@ -3098,7 +3098,7 @@
           <p:cNvPr id="6" name="Footer Placeholder 5">
             <a:extLst>
               <a:ext uri="{FF2B5EF4-FFF2-40B4-BE49-F238E27FC236}">
-                <a16:creationId xmlns="" xmlns:a16="http://schemas.microsoft.com/office/drawing/2014/main" id="{1EDF1FAB-78DA-4DDA-8BB2-1A5B2C20DBFC}"/>
+                <a16:creationId xmlns:a16="http://schemas.microsoft.com/office/drawing/2014/main" xmlns="" id="{1EDF1FAB-78DA-4DDA-8BB2-1A5B2C20DBFC}"/>
               </a:ext>
             </a:extLst>
           </p:cNvPr>
@@ -3127,7 +3127,7 @@
           <p:cNvPr id="7" name="Slide Number Placeholder 6">
             <a:extLst>
               <a:ext uri="{FF2B5EF4-FFF2-40B4-BE49-F238E27FC236}">
-                <a16:creationId xmlns="" xmlns:a16="http://schemas.microsoft.com/office/drawing/2014/main" id="{F4D0EEA4-AA87-4427-8F0E-803F4CCA9EFD}"/>
+                <a16:creationId xmlns:a16="http://schemas.microsoft.com/office/drawing/2014/main" xmlns="" id="{F4D0EEA4-AA87-4427-8F0E-803F4CCA9EFD}"/>
               </a:ext>
             </a:extLst>
           </p:cNvPr>
@@ -3155,7 +3155,7 @@
     </p:spTree>
     <p:extLst>
       <p:ext uri="{BB962C8B-B14F-4D97-AF65-F5344CB8AC3E}">
-        <p14:creationId xmlns="" xmlns:p14="http://schemas.microsoft.com/office/powerpoint/2010/main" val="3047365589"/>
+        <p14:creationId xmlns:p14="http://schemas.microsoft.com/office/powerpoint/2010/main" xmlns="" val="3047365589"/>
       </p:ext>
     </p:extLst>
   </p:cSld>
@@ -3192,7 +3192,7 @@
           <p:cNvPr id="2" name="Title Placeholder 1">
             <a:extLst>
               <a:ext uri="{FF2B5EF4-FFF2-40B4-BE49-F238E27FC236}">
-                <a16:creationId xmlns="" xmlns:a16="http://schemas.microsoft.com/office/drawing/2014/main" id="{5CD789F7-F020-496F-9426-8EFDED6B2DA3}"/>
+                <a16:creationId xmlns:a16="http://schemas.microsoft.com/office/drawing/2014/main" xmlns="" id="{5CD789F7-F020-496F-9426-8EFDED6B2DA3}"/>
               </a:ext>
             </a:extLst>
           </p:cNvPr>
@@ -3230,7 +3230,7 @@
           <p:cNvPr id="3" name="Text Placeholder 2">
             <a:extLst>
               <a:ext uri="{FF2B5EF4-FFF2-40B4-BE49-F238E27FC236}">
-                <a16:creationId xmlns="" xmlns:a16="http://schemas.microsoft.com/office/drawing/2014/main" id="{232000B9-84D3-4BCA-84E4-3DF15D555859}"/>
+                <a16:creationId xmlns:a16="http://schemas.microsoft.com/office/drawing/2014/main" xmlns="" id="{232000B9-84D3-4BCA-84E4-3DF15D555859}"/>
               </a:ext>
             </a:extLst>
           </p:cNvPr>
@@ -3297,7 +3297,7 @@
           <p:cNvPr id="4" name="Date Placeholder 3">
             <a:extLst>
               <a:ext uri="{FF2B5EF4-FFF2-40B4-BE49-F238E27FC236}">
-                <a16:creationId xmlns="" xmlns:a16="http://schemas.microsoft.com/office/drawing/2014/main" id="{9898C8C4-6F1D-49A6-9724-E4D7E008F0D1}"/>
+                <a16:creationId xmlns:a16="http://schemas.microsoft.com/office/drawing/2014/main" xmlns="" id="{9898C8C4-6F1D-49A6-9724-E4D7E008F0D1}"/>
               </a:ext>
             </a:extLst>
           </p:cNvPr>
@@ -3334,7 +3334,7 @@
             <a:fld id="{8A6F2575-85A2-48DA-9E94-0896A6DF7FB7}" type="datetime1">
               <a:rPr lang="en-US" smtClean="0"/>
               <a:pPr/>
-              <a:t>12/14/2020</a:t>
+              <a:t>12/15/2020</a:t>
             </a:fld>
             <a:endParaRPr lang="en-US"/>
           </a:p>
@@ -3345,7 +3345,7 @@
           <p:cNvPr id="5" name="Footer Placeholder 4">
             <a:extLst>
               <a:ext uri="{FF2B5EF4-FFF2-40B4-BE49-F238E27FC236}">
-                <a16:creationId xmlns="" xmlns:a16="http://schemas.microsoft.com/office/drawing/2014/main" id="{9749F6A4-1D28-4324-ADF8-54120FADA5EE}"/>
+                <a16:creationId xmlns:a16="http://schemas.microsoft.com/office/drawing/2014/main" xmlns="" id="{9749F6A4-1D28-4324-ADF8-54120FADA5EE}"/>
               </a:ext>
             </a:extLst>
           </p:cNvPr>
@@ -3392,7 +3392,7 @@
           <p:cNvPr id="6" name="Slide Number Placeholder 5">
             <a:extLst>
               <a:ext uri="{FF2B5EF4-FFF2-40B4-BE49-F238E27FC236}">
-                <a16:creationId xmlns="" xmlns:a16="http://schemas.microsoft.com/office/drawing/2014/main" id="{DFD23A7A-B308-4344-8297-41F7250FA36B}"/>
+                <a16:creationId xmlns:a16="http://schemas.microsoft.com/office/drawing/2014/main" xmlns="" id="{DFD23A7A-B308-4344-8297-41F7250FA36B}"/>
               </a:ext>
             </a:extLst>
           </p:cNvPr>
@@ -3438,7 +3438,7 @@
     </p:spTree>
     <p:extLst>
       <p:ext uri="{BB962C8B-B14F-4D97-AF65-F5344CB8AC3E}">
-        <p14:creationId xmlns="" xmlns:p14="http://schemas.microsoft.com/office/powerpoint/2010/main" val="643433556"/>
+        <p14:creationId xmlns:p14="http://schemas.microsoft.com/office/powerpoint/2010/main" xmlns="" val="643433556"/>
       </p:ext>
     </p:extLst>
   </p:cSld>
@@ -3762,7 +3762,7 @@
           <p:cNvPr id="2" name="Title 1">
             <a:extLst>
               <a:ext uri="{FF2B5EF4-FFF2-40B4-BE49-F238E27FC236}">
-                <a16:creationId xmlns="" xmlns:a16="http://schemas.microsoft.com/office/drawing/2014/main" id="{25E4E360-93C7-45C6-A08D-32628EAAC287}"/>
+                <a16:creationId xmlns:a16="http://schemas.microsoft.com/office/drawing/2014/main" xmlns="" id="{25E4E360-93C7-45C6-A08D-32628EAAC287}"/>
               </a:ext>
             </a:extLst>
           </p:cNvPr>
@@ -3846,7 +3846,7 @@
           <p:cNvPr id="3" name="Subtitle 2">
             <a:extLst>
               <a:ext uri="{FF2B5EF4-FFF2-40B4-BE49-F238E27FC236}">
-                <a16:creationId xmlns="" xmlns:a16="http://schemas.microsoft.com/office/drawing/2014/main" id="{29172445-6B21-4922-9AEA-5EE6BF0567B3}"/>
+                <a16:creationId xmlns:a16="http://schemas.microsoft.com/office/drawing/2014/main" xmlns="" id="{29172445-6B21-4922-9AEA-5EE6BF0567B3}"/>
               </a:ext>
             </a:extLst>
           </p:cNvPr>
@@ -3976,7 +3976,7 @@
           <p:cNvPr id="11" name="Picture 2">
             <a:extLst>
               <a:ext uri="{FF2B5EF4-FFF2-40B4-BE49-F238E27FC236}">
-                <a16:creationId xmlns="" xmlns:a16="http://schemas.microsoft.com/office/drawing/2014/main" id="{5831EC37-A40D-4337-87C6-44B7C34DBC88}"/>
+                <a16:creationId xmlns:a16="http://schemas.microsoft.com/office/drawing/2014/main" xmlns="" id="{5831EC37-A40D-4337-87C6-44B7C34DBC88}"/>
               </a:ext>
             </a:extLst>
           </p:cNvPr>
@@ -3989,7 +3989,7 @@
           <a:blip r:embed="rId2">
             <a:extLst>
               <a:ext uri="{28A0092B-C50C-407E-A947-70E740481C1C}">
-                <a14:useLocalDpi xmlns="" xmlns:a14="http://schemas.microsoft.com/office/drawing/2010/main" val="0"/>
+                <a14:useLocalDpi xmlns:a14="http://schemas.microsoft.com/office/drawing/2010/main" xmlns="" val="0"/>
               </a:ext>
             </a:extLst>
           </a:blip>
@@ -4012,14 +4012,14 @@
           </a:ln>
           <a:extLst>
             <a:ext uri="{909E8E84-426E-40DD-AFC4-6F175D3DCCD1}">
-              <a14:hiddenFill xmlns="" xmlns:a14="http://schemas.microsoft.com/office/drawing/2010/main">
+              <a14:hiddenFill xmlns:a14="http://schemas.microsoft.com/office/drawing/2010/main" xmlns="">
                 <a:solidFill>
                   <a:srgbClr val="FFFFFF"/>
                 </a:solidFill>
               </a14:hiddenFill>
             </a:ext>
             <a:ext uri="{91240B29-F687-4F45-9708-019B960494DF}">
-              <a14:hiddenLine xmlns="" xmlns:a14="http://schemas.microsoft.com/office/drawing/2010/main" w="9525">
+              <a14:hiddenLine xmlns:a14="http://schemas.microsoft.com/office/drawing/2010/main" xmlns="" w="9525">
                 <a:solidFill>
                   <a:srgbClr val="000000"/>
                 </a:solidFill>
@@ -4036,7 +4036,7 @@
           <p:cNvPr id="13" name="Picture 4">
             <a:extLst>
               <a:ext uri="{FF2B5EF4-FFF2-40B4-BE49-F238E27FC236}">
-                <a16:creationId xmlns="" xmlns:a16="http://schemas.microsoft.com/office/drawing/2014/main" id="{E312CB5D-48F7-4494-B8EC-6ED00C082A80}"/>
+                <a16:creationId xmlns:a16="http://schemas.microsoft.com/office/drawing/2014/main" xmlns="" id="{E312CB5D-48F7-4494-B8EC-6ED00C082A80}"/>
               </a:ext>
             </a:extLst>
           </p:cNvPr>
@@ -4049,7 +4049,7 @@
           <a:blip r:embed="rId3">
             <a:extLst>
               <a:ext uri="{28A0092B-C50C-407E-A947-70E740481C1C}">
-                <a14:useLocalDpi xmlns="" xmlns:a14="http://schemas.microsoft.com/office/drawing/2010/main" val="0"/>
+                <a14:useLocalDpi xmlns:a14="http://schemas.microsoft.com/office/drawing/2010/main" xmlns="" val="0"/>
               </a:ext>
             </a:extLst>
           </a:blip>
@@ -4072,14 +4072,14 @@
           </a:ln>
           <a:extLst>
             <a:ext uri="{909E8E84-426E-40DD-AFC4-6F175D3DCCD1}">
-              <a14:hiddenFill xmlns="" xmlns:a14="http://schemas.microsoft.com/office/drawing/2010/main">
+              <a14:hiddenFill xmlns:a14="http://schemas.microsoft.com/office/drawing/2010/main" xmlns="">
                 <a:solidFill>
                   <a:srgbClr val="FFFFFF"/>
                 </a:solidFill>
               </a14:hiddenFill>
             </a:ext>
             <a:ext uri="{91240B29-F687-4F45-9708-019B960494DF}">
-              <a14:hiddenLine xmlns="" xmlns:a14="http://schemas.microsoft.com/office/drawing/2010/main" w="9525">
+              <a14:hiddenLine xmlns:a14="http://schemas.microsoft.com/office/drawing/2010/main" xmlns="" w="9525">
                 <a:solidFill>
                   <a:srgbClr val="000000"/>
                 </a:solidFill>
@@ -4096,7 +4096,7 @@
           <p:cNvPr id="15" name="TextBox 14">
             <a:extLst>
               <a:ext uri="{FF2B5EF4-FFF2-40B4-BE49-F238E27FC236}">
-                <a16:creationId xmlns="" xmlns:a16="http://schemas.microsoft.com/office/drawing/2014/main" id="{8A62A0FD-BF3B-4839-93D0-F8194E85A7D8}"/>
+                <a16:creationId xmlns:a16="http://schemas.microsoft.com/office/drawing/2014/main" xmlns="" id="{8A62A0FD-BF3B-4839-93D0-F8194E85A7D8}"/>
               </a:ext>
             </a:extLst>
           </p:cNvPr>
@@ -4222,7 +4222,7 @@
           <p:cNvPr id="17" name="TextBox 16">
             <a:extLst>
               <a:ext uri="{FF2B5EF4-FFF2-40B4-BE49-F238E27FC236}">
-                <a16:creationId xmlns="" xmlns:a16="http://schemas.microsoft.com/office/drawing/2014/main" id="{C7EA9526-2761-455C-B2E3-DD6D9D9A2CCB}"/>
+                <a16:creationId xmlns:a16="http://schemas.microsoft.com/office/drawing/2014/main" xmlns="" id="{C7EA9526-2761-455C-B2E3-DD6D9D9A2CCB}"/>
               </a:ext>
             </a:extLst>
           </p:cNvPr>
@@ -4326,7 +4326,7 @@
             <a:fld id="{449668C2-8742-48FE-B941-622CFD065922}" type="datetime1">
               <a:rPr lang="en-US" smtClean="0"/>
               <a:pPr/>
-              <a:t>12/14/2020</a:t>
+              <a:t>12/15/2020</a:t>
             </a:fld>
             <a:endParaRPr lang="en-US"/>
           </a:p>
@@ -4382,7 +4382,7 @@
     </p:spTree>
     <p:extLst>
       <p:ext uri="{BB962C8B-B14F-4D97-AF65-F5344CB8AC3E}">
-        <p14:creationId xmlns="" xmlns:p14="http://schemas.microsoft.com/office/powerpoint/2010/main" val="2979434874"/>
+        <p14:creationId xmlns:p14="http://schemas.microsoft.com/office/powerpoint/2010/main" xmlns="" val="2979434874"/>
       </p:ext>
     </p:extLst>
   </p:cSld>
@@ -4414,7 +4414,7 @@
           <p:cNvPr id="2" name="Title 1">
             <a:extLst>
               <a:ext uri="{FF2B5EF4-FFF2-40B4-BE49-F238E27FC236}">
-                <a16:creationId xmlns="" xmlns:a16="http://schemas.microsoft.com/office/drawing/2014/main" id="{62BA84C1-1C4C-42BF-B409-57F6DFD51EAE}"/>
+                <a16:creationId xmlns:a16="http://schemas.microsoft.com/office/drawing/2014/main" xmlns="" id="{62BA84C1-1C4C-42BF-B409-57F6DFD51EAE}"/>
               </a:ext>
             </a:extLst>
           </p:cNvPr>
@@ -4455,7 +4455,7 @@
           <p:cNvPr id="6" name="TextBox 5">
             <a:extLst>
               <a:ext uri="{FF2B5EF4-FFF2-40B4-BE49-F238E27FC236}">
-                <a16:creationId xmlns="" xmlns:a16="http://schemas.microsoft.com/office/drawing/2014/main" id="{57ADFB21-1888-4F42-88D1-5BBF797DBFE2}"/>
+                <a16:creationId xmlns:a16="http://schemas.microsoft.com/office/drawing/2014/main" xmlns="" id="{57ADFB21-1888-4F42-88D1-5BBF797DBFE2}"/>
               </a:ext>
             </a:extLst>
           </p:cNvPr>
@@ -4662,7 +4662,7 @@
             <a:fld id="{55556857-DF37-43A7-A7C8-E56E98EFB82F}" type="datetime1">
               <a:rPr lang="en-US" smtClean="0"/>
               <a:pPr/>
-              <a:t>12/14/2020</a:t>
+              <a:t>12/15/2020</a:t>
             </a:fld>
             <a:endParaRPr lang="en-US"/>
           </a:p>
@@ -4718,7 +4718,7 @@
     </p:spTree>
     <p:extLst>
       <p:ext uri="{BB962C8B-B14F-4D97-AF65-F5344CB8AC3E}">
-        <p14:creationId xmlns="" xmlns:p14="http://schemas.microsoft.com/office/powerpoint/2010/main" val="835800698"/>
+        <p14:creationId xmlns:p14="http://schemas.microsoft.com/office/powerpoint/2010/main" xmlns="" val="835800698"/>
       </p:ext>
     </p:extLst>
   </p:cSld>
@@ -4750,7 +4750,7 @@
           <p:cNvPr id="2" name="Title 1">
             <a:extLst>
               <a:ext uri="{FF2B5EF4-FFF2-40B4-BE49-F238E27FC236}">
-                <a16:creationId xmlns="" xmlns:a16="http://schemas.microsoft.com/office/drawing/2014/main" id="{01FEBB33-E398-4841-8865-F0BBDF40D567}"/>
+                <a16:creationId xmlns:a16="http://schemas.microsoft.com/office/drawing/2014/main" xmlns="" id="{01FEBB33-E398-4841-8865-F0BBDF40D567}"/>
               </a:ext>
             </a:extLst>
           </p:cNvPr>
@@ -4791,7 +4791,7 @@
           <p:cNvPr id="5" name="TextBox 4">
             <a:extLst>
               <a:ext uri="{FF2B5EF4-FFF2-40B4-BE49-F238E27FC236}">
-                <a16:creationId xmlns="" xmlns:a16="http://schemas.microsoft.com/office/drawing/2014/main" id="{69406CEE-6C00-45BC-97AB-BA41D32881C6}"/>
+                <a16:creationId xmlns:a16="http://schemas.microsoft.com/office/drawing/2014/main" xmlns="" id="{69406CEE-6C00-45BC-97AB-BA41D32881C6}"/>
               </a:ext>
             </a:extLst>
           </p:cNvPr>
@@ -5090,7 +5090,7 @@
             <a:fld id="{7D793552-8969-4A73-9434-C6ACC04E14B6}" type="datetime1">
               <a:rPr lang="en-US" smtClean="0"/>
               <a:pPr/>
-              <a:t>12/14/2020</a:t>
+              <a:t>12/15/2020</a:t>
             </a:fld>
             <a:endParaRPr lang="en-US"/>
           </a:p>
@@ -5146,7 +5146,7 @@
     </p:spTree>
     <p:extLst>
       <p:ext uri="{BB962C8B-B14F-4D97-AF65-F5344CB8AC3E}">
-        <p14:creationId xmlns="" xmlns:p14="http://schemas.microsoft.com/office/powerpoint/2010/main" val="1851589329"/>
+        <p14:creationId xmlns:p14="http://schemas.microsoft.com/office/powerpoint/2010/main" xmlns="" val="1851589329"/>
       </p:ext>
     </p:extLst>
   </p:cSld>
@@ -5178,7 +5178,7 @@
           <p:cNvPr id="2" name="Title 1">
             <a:extLst>
               <a:ext uri="{FF2B5EF4-FFF2-40B4-BE49-F238E27FC236}">
-                <a16:creationId xmlns="" xmlns:a16="http://schemas.microsoft.com/office/drawing/2014/main" id="{C03492D6-B4D3-4898-B3F2-4226E250EF47}"/>
+                <a16:creationId xmlns:a16="http://schemas.microsoft.com/office/drawing/2014/main" xmlns="" id="{C03492D6-B4D3-4898-B3F2-4226E250EF47}"/>
               </a:ext>
             </a:extLst>
           </p:cNvPr>
@@ -5219,7 +5219,7 @@
           <p:cNvPr id="5" name="TextBox 4">
             <a:extLst>
               <a:ext uri="{FF2B5EF4-FFF2-40B4-BE49-F238E27FC236}">
-                <a16:creationId xmlns="" xmlns:a16="http://schemas.microsoft.com/office/drawing/2014/main" id="{A5465C2D-366B-447A-9988-C078E6C5B645}"/>
+                <a16:creationId xmlns:a16="http://schemas.microsoft.com/office/drawing/2014/main" xmlns="" id="{A5465C2D-366B-447A-9988-C078E6C5B645}"/>
               </a:ext>
             </a:extLst>
           </p:cNvPr>
@@ -5519,7 +5519,7 @@
             <a:fld id="{16C28DF4-0231-4639-9182-102385117222}" type="datetime1">
               <a:rPr lang="en-US" smtClean="0"/>
               <a:pPr/>
-              <a:t>12/14/2020</a:t>
+              <a:t>12/15/2020</a:t>
             </a:fld>
             <a:endParaRPr lang="en-US"/>
           </a:p>
@@ -5575,7 +5575,7 @@
     </p:spTree>
     <p:extLst>
       <p:ext uri="{BB962C8B-B14F-4D97-AF65-F5344CB8AC3E}">
-        <p14:creationId xmlns="" xmlns:p14="http://schemas.microsoft.com/office/powerpoint/2010/main" val="1369784066"/>
+        <p14:creationId xmlns:p14="http://schemas.microsoft.com/office/powerpoint/2010/main" xmlns="" val="1369784066"/>
       </p:ext>
     </p:extLst>
   </p:cSld>
@@ -5607,7 +5607,7 @@
           <p:cNvPr id="2" name="Title 1">
             <a:extLst>
               <a:ext uri="{FF2B5EF4-FFF2-40B4-BE49-F238E27FC236}">
-                <a16:creationId xmlns="" xmlns:a16="http://schemas.microsoft.com/office/drawing/2014/main" id="{1F2CFFDE-95CD-46BF-8FB0-017D74E4D172}"/>
+                <a16:creationId xmlns:a16="http://schemas.microsoft.com/office/drawing/2014/main" xmlns="" id="{1F2CFFDE-95CD-46BF-8FB0-017D74E4D172}"/>
               </a:ext>
             </a:extLst>
           </p:cNvPr>
@@ -5655,7 +5655,7 @@
           <p:cNvPr id="3" name="Content Placeholder 2">
             <a:extLst>
               <a:ext uri="{FF2B5EF4-FFF2-40B4-BE49-F238E27FC236}">
-                <a16:creationId xmlns="" xmlns:a16="http://schemas.microsoft.com/office/drawing/2014/main" id="{2F32AFBE-7AFE-461B-8A5A-FAD6F79953AC}"/>
+                <a16:creationId xmlns:a16="http://schemas.microsoft.com/office/drawing/2014/main" xmlns="" id="{2F32AFBE-7AFE-461B-8A5A-FAD6F79953AC}"/>
               </a:ext>
             </a:extLst>
           </p:cNvPr>
@@ -5760,7 +5760,7 @@
             <a:fld id="{1C2F540E-87F2-48E7-A9EB-C066B22CDF89}" type="datetime1">
               <a:rPr lang="en-US" smtClean="0"/>
               <a:pPr/>
-              <a:t>12/14/2020</a:t>
+              <a:t>12/15/2020</a:t>
             </a:fld>
             <a:endParaRPr lang="en-US"/>
           </a:p>
@@ -5816,7 +5816,7 @@
     </p:spTree>
     <p:extLst>
       <p:ext uri="{BB962C8B-B14F-4D97-AF65-F5344CB8AC3E}">
-        <p14:creationId xmlns="" xmlns:p14="http://schemas.microsoft.com/office/powerpoint/2010/main" val="119888383"/>
+        <p14:creationId xmlns:p14="http://schemas.microsoft.com/office/powerpoint/2010/main" xmlns="" val="119888383"/>
       </p:ext>
     </p:extLst>
   </p:cSld>
@@ -5848,7 +5848,7 @@
           <p:cNvPr id="2" name="Title 1">
             <a:extLst>
               <a:ext uri="{FF2B5EF4-FFF2-40B4-BE49-F238E27FC236}">
-                <a16:creationId xmlns="" xmlns:a16="http://schemas.microsoft.com/office/drawing/2014/main" id="{BBFCB928-5B45-4E45-BA7E-B10C86166BBE}"/>
+                <a16:creationId xmlns:a16="http://schemas.microsoft.com/office/drawing/2014/main" xmlns="" id="{BBFCB928-5B45-4E45-BA7E-B10C86166BBE}"/>
               </a:ext>
             </a:extLst>
           </p:cNvPr>
@@ -5896,7 +5896,7 @@
           <p:cNvPr id="5" name="TextBox 4">
             <a:extLst>
               <a:ext uri="{FF2B5EF4-FFF2-40B4-BE49-F238E27FC236}">
-                <a16:creationId xmlns="" xmlns:a16="http://schemas.microsoft.com/office/drawing/2014/main" id="{30DFC9BE-42C3-4CDC-99BF-FE85429072C5}"/>
+                <a16:creationId xmlns:a16="http://schemas.microsoft.com/office/drawing/2014/main" xmlns="" id="{30DFC9BE-42C3-4CDC-99BF-FE85429072C5}"/>
               </a:ext>
             </a:extLst>
           </p:cNvPr>
@@ -5938,14 +5938,7 @@
                 <a:latin typeface="Times New Roman" pitchFamily="18" charset="0"/>
                 <a:cs typeface="Times New Roman" pitchFamily="18" charset="0"/>
               </a:rPr>
-              <a:t>This Online Hotel Reservation System is an automated system that allows your guest to plan their bookings online at their convenience. With the help of this system, you can manage well your business that can increase both your efficiency within the office and your profit. Now, your bookings are easily accessible anytime and anywhere as long as you have an internet connection and a laptop, Smartphone or tablet because it has a very responsive design. Compared to a manual process that may take you a lot of time to book, this process of online booking a room made simple, easy and enjoyable because it provides a friendly user </a:t>
-            </a:r>
-            <a:r>
-              <a:rPr lang="en-US" dirty="0" smtClean="0">
-                <a:latin typeface="Times New Roman" pitchFamily="18" charset="0"/>
-                <a:cs typeface="Times New Roman" pitchFamily="18" charset="0"/>
-              </a:rPr>
-              <a:t>interface.</a:t>
+              <a:t>This Online Hotel Reservation System is an automated system that allows your guest to plan their bookings online at their convenience. With the help of this system, you can manage well your business that can increase both your efficiency within the office and your profit. Now, your bookings are easily accessible anytime and anywhere as long as you have an internet connection and a laptop, Smartphone or tablet because it has a very responsive design. Compared to a manual process that may take you a lot of time to book, this process of online booking a room made simple, easy and enjoyable because it provides a friendly user interface.</a:t>
             </a:r>
             <a:endParaRPr lang="en-US" sz="1800" dirty="0">
               <a:effectLst/>
@@ -5974,7 +5967,7 @@
             <a:fld id="{973A0437-22C4-4593-B512-34C8BC0F7B0A}" type="datetime1">
               <a:rPr lang="en-US" smtClean="0"/>
               <a:pPr/>
-              <a:t>12/14/2020</a:t>
+              <a:t>12/15/2020</a:t>
             </a:fld>
             <a:endParaRPr lang="en-US"/>
           </a:p>
@@ -6030,7 +6023,7 @@
     </p:spTree>
     <p:extLst>
       <p:ext uri="{BB962C8B-B14F-4D97-AF65-F5344CB8AC3E}">
-        <p14:creationId xmlns="" xmlns:p14="http://schemas.microsoft.com/office/powerpoint/2010/main" val="988540064"/>
+        <p14:creationId xmlns:p14="http://schemas.microsoft.com/office/powerpoint/2010/main" xmlns="" val="988540064"/>
       </p:ext>
     </p:extLst>
   </p:cSld>
@@ -6062,7 +6055,7 @@
           <p:cNvPr id="2" name="Title 1">
             <a:extLst>
               <a:ext uri="{FF2B5EF4-FFF2-40B4-BE49-F238E27FC236}">
-                <a16:creationId xmlns="" xmlns:a16="http://schemas.microsoft.com/office/drawing/2014/main" id="{BC81DF9F-D3BA-4FC4-AEE5-5CE89AB16697}"/>
+                <a16:creationId xmlns:a16="http://schemas.microsoft.com/office/drawing/2014/main" xmlns="" id="{BC81DF9F-D3BA-4FC4-AEE5-5CE89AB16697}"/>
               </a:ext>
             </a:extLst>
           </p:cNvPr>
@@ -6110,7 +6103,7 @@
           <p:cNvPr id="5" name="TextBox 4">
             <a:extLst>
               <a:ext uri="{FF2B5EF4-FFF2-40B4-BE49-F238E27FC236}">
-                <a16:creationId xmlns="" xmlns:a16="http://schemas.microsoft.com/office/drawing/2014/main" id="{6208210A-10CB-4EAE-AB4E-BFB5520B327E}"/>
+                <a16:creationId xmlns:a16="http://schemas.microsoft.com/office/drawing/2014/main" xmlns="" id="{6208210A-10CB-4EAE-AB4E-BFB5520B327E}"/>
               </a:ext>
             </a:extLst>
           </p:cNvPr>
@@ -6295,7 +6288,7 @@
             <a:fld id="{8256A60D-BA8A-4A96-8144-B90A3B920BBD}" type="datetime1">
               <a:rPr lang="en-US" smtClean="0"/>
               <a:pPr/>
-              <a:t>12/14/2020</a:t>
+              <a:t>12/15/2020</a:t>
             </a:fld>
             <a:endParaRPr lang="en-US"/>
           </a:p>
@@ -6351,7 +6344,7 @@
     </p:spTree>
     <p:extLst>
       <p:ext uri="{BB962C8B-B14F-4D97-AF65-F5344CB8AC3E}">
-        <p14:creationId xmlns="" xmlns:p14="http://schemas.microsoft.com/office/powerpoint/2010/main" val="2618257718"/>
+        <p14:creationId xmlns:p14="http://schemas.microsoft.com/office/powerpoint/2010/main" xmlns="" val="2618257718"/>
       </p:ext>
     </p:extLst>
   </p:cSld>
@@ -6383,7 +6376,7 @@
           <p:cNvPr id="2" name="Title 1">
             <a:extLst>
               <a:ext uri="{FF2B5EF4-FFF2-40B4-BE49-F238E27FC236}">
-                <a16:creationId xmlns="" xmlns:a16="http://schemas.microsoft.com/office/drawing/2014/main" id="{E29B991D-B78A-4E99-A51E-17643FC3E285}"/>
+                <a16:creationId xmlns:a16="http://schemas.microsoft.com/office/drawing/2014/main" xmlns="" id="{E29B991D-B78A-4E99-A51E-17643FC3E285}"/>
               </a:ext>
             </a:extLst>
           </p:cNvPr>
@@ -6424,7 +6417,7 @@
           <p:cNvPr id="5" name="TextBox 4">
             <a:extLst>
               <a:ext uri="{FF2B5EF4-FFF2-40B4-BE49-F238E27FC236}">
-                <a16:creationId xmlns="" xmlns:a16="http://schemas.microsoft.com/office/drawing/2014/main" id="{628B480B-F87A-44E2-BD07-66CE4701F26D}"/>
+                <a16:creationId xmlns:a16="http://schemas.microsoft.com/office/drawing/2014/main" xmlns="" id="{628B480B-F87A-44E2-BD07-66CE4701F26D}"/>
               </a:ext>
             </a:extLst>
           </p:cNvPr>
@@ -6665,7 +6658,7 @@
             <a:fld id="{07124353-F352-47C9-82FF-670F57CFBC8A}" type="datetime1">
               <a:rPr lang="en-US" smtClean="0"/>
               <a:pPr/>
-              <a:t>12/14/2020</a:t>
+              <a:t>12/15/2020</a:t>
             </a:fld>
             <a:endParaRPr lang="en-US"/>
           </a:p>
@@ -6721,7 +6714,7 @@
     </p:spTree>
     <p:extLst>
       <p:ext uri="{BB962C8B-B14F-4D97-AF65-F5344CB8AC3E}">
-        <p14:creationId xmlns="" xmlns:p14="http://schemas.microsoft.com/office/powerpoint/2010/main" val="3681088746"/>
+        <p14:creationId xmlns:p14="http://schemas.microsoft.com/office/powerpoint/2010/main" xmlns="" val="3681088746"/>
       </p:ext>
     </p:extLst>
   </p:cSld>
@@ -6753,7 +6746,7 @@
           <p:cNvPr id="2" name="Title 1">
             <a:extLst>
               <a:ext uri="{FF2B5EF4-FFF2-40B4-BE49-F238E27FC236}">
-                <a16:creationId xmlns="" xmlns:a16="http://schemas.microsoft.com/office/drawing/2014/main" id="{A8EAD7BF-F4C0-46D0-9894-663BB2C47783}"/>
+                <a16:creationId xmlns:a16="http://schemas.microsoft.com/office/drawing/2014/main" xmlns="" id="{A8EAD7BF-F4C0-46D0-9894-663BB2C47783}"/>
               </a:ext>
             </a:extLst>
           </p:cNvPr>
@@ -6801,7 +6794,7 @@
           <p:cNvPr id="5" name="TextBox 4">
             <a:extLst>
               <a:ext uri="{FF2B5EF4-FFF2-40B4-BE49-F238E27FC236}">
-                <a16:creationId xmlns="" xmlns:a16="http://schemas.microsoft.com/office/drawing/2014/main" id="{8A420521-47F2-4392-9002-89BBC4590790}"/>
+                <a16:creationId xmlns:a16="http://schemas.microsoft.com/office/drawing/2014/main" xmlns="" id="{8A420521-47F2-4392-9002-89BBC4590790}"/>
               </a:ext>
             </a:extLst>
           </p:cNvPr>
@@ -7002,7 +6995,7 @@
             <a:fld id="{9B9F69D7-90BF-49C7-A6C1-A3EE3F8EAF27}" type="datetime1">
               <a:rPr lang="en-US" smtClean="0"/>
               <a:pPr/>
-              <a:t>12/14/2020</a:t>
+              <a:t>12/15/2020</a:t>
             </a:fld>
             <a:endParaRPr lang="en-US"/>
           </a:p>
@@ -7058,7 +7051,7 @@
     </p:spTree>
     <p:extLst>
       <p:ext uri="{BB962C8B-B14F-4D97-AF65-F5344CB8AC3E}">
-        <p14:creationId xmlns="" xmlns:p14="http://schemas.microsoft.com/office/powerpoint/2010/main" val="319441227"/>
+        <p14:creationId xmlns:p14="http://schemas.microsoft.com/office/powerpoint/2010/main" xmlns="" val="319441227"/>
       </p:ext>
     </p:extLst>
   </p:cSld>
@@ -7090,7 +7083,7 @@
           <p:cNvPr id="2" name="Title 1">
             <a:extLst>
               <a:ext uri="{FF2B5EF4-FFF2-40B4-BE49-F238E27FC236}">
-                <a16:creationId xmlns="" xmlns:a16="http://schemas.microsoft.com/office/drawing/2014/main" id="{06B4F07C-1A6A-4EA4-BDED-B07BA51C146E}"/>
+                <a16:creationId xmlns:a16="http://schemas.microsoft.com/office/drawing/2014/main" xmlns="" id="{06B4F07C-1A6A-4EA4-BDED-B07BA51C146E}"/>
               </a:ext>
             </a:extLst>
           </p:cNvPr>
@@ -7171,9 +7164,80 @@
           </a:p>
         </p:txBody>
       </p:sp>
+      <p:sp>
+        <p:nvSpPr>
+          <p:cNvPr id="5" name="Date Placeholder 4"/>
+          <p:cNvSpPr>
+            <a:spLocks noGrp="1"/>
+          </p:cNvSpPr>
+          <p:nvPr>
+            <p:ph type="dt" sz="half" idx="10"/>
+          </p:nvPr>
+        </p:nvSpPr>
+        <p:spPr/>
+        <p:txBody>
+          <a:bodyPr/>
+          <a:lstStyle/>
+          <a:p>
+            <a:fld id="{5BFB5E66-A16E-4229-92CF-93185C8F662D}" type="datetime1">
+              <a:rPr lang="en-US" smtClean="0"/>
+              <a:pPr/>
+              <a:t>12/15/2020</a:t>
+            </a:fld>
+            <a:endParaRPr lang="en-US"/>
+          </a:p>
+        </p:txBody>
+      </p:sp>
+      <p:sp>
+        <p:nvSpPr>
+          <p:cNvPr id="6" name="Slide Number Placeholder 5"/>
+          <p:cNvSpPr>
+            <a:spLocks noGrp="1"/>
+          </p:cNvSpPr>
+          <p:nvPr>
+            <p:ph type="sldNum" sz="quarter" idx="12"/>
+          </p:nvPr>
+        </p:nvSpPr>
+        <p:spPr/>
+        <p:txBody>
+          <a:bodyPr/>
+          <a:lstStyle/>
+          <a:p>
+            <a:fld id="{95D180E8-EB14-450D-B51D-8F0D0403DD56}" type="slidenum">
+              <a:rPr lang="en-US" smtClean="0"/>
+              <a:pPr/>
+              <a:t>7</a:t>
+            </a:fld>
+            <a:endParaRPr lang="en-US"/>
+          </a:p>
+        </p:txBody>
+      </p:sp>
+      <p:sp>
+        <p:nvSpPr>
+          <p:cNvPr id="7" name="Footer Placeholder 6"/>
+          <p:cNvSpPr>
+            <a:spLocks noGrp="1"/>
+          </p:cNvSpPr>
+          <p:nvPr>
+            <p:ph type="ftr" sz="quarter" idx="11"/>
+          </p:nvPr>
+        </p:nvSpPr>
+        <p:spPr/>
+        <p:txBody>
+          <a:bodyPr/>
+          <a:lstStyle/>
+          <a:p>
+            <a:r>
+              <a:rPr lang="en-US" smtClean="0"/>
+              <a:t>Hotel Room booking Website</a:t>
+            </a:r>
+            <a:endParaRPr lang="en-US"/>
+          </a:p>
+        </p:txBody>
+      </p:sp>
       <p:pic>
         <p:nvPicPr>
-          <p:cNvPr id="3074" name="Picture 2" descr="C:\Users\user\Desktop\WEB MINI\Snapshots\Capture.JPG"/>
+          <p:cNvPr id="1026" name="Picture 2" descr="C:\Users\user\Desktop\Hotel_Booking_Website\Snapshots\Home.JPG"/>
           <p:cNvPicPr>
             <a:picLocks noChangeAspect="1" noChangeArrowheads="1"/>
           </p:cNvPicPr>
@@ -7188,8 +7252,8 @@
         </p:blipFill>
         <p:spPr bwMode="auto">
           <a:xfrm>
-            <a:off x="403226" y="1580605"/>
-            <a:ext cx="11431724" cy="4362995"/>
+            <a:off x="1770400" y="1685109"/>
+            <a:ext cx="8941143" cy="4310744"/>
           </a:xfrm>
           <a:prstGeom prst="rect">
             <a:avLst/>
@@ -7197,81 +7261,10 @@
           <a:noFill/>
         </p:spPr>
       </p:pic>
-      <p:sp>
-        <p:nvSpPr>
-          <p:cNvPr id="5" name="Date Placeholder 4"/>
-          <p:cNvSpPr>
-            <a:spLocks noGrp="1"/>
-          </p:cNvSpPr>
-          <p:nvPr>
-            <p:ph type="dt" sz="half" idx="10"/>
-          </p:nvPr>
-        </p:nvSpPr>
-        <p:spPr/>
-        <p:txBody>
-          <a:bodyPr/>
-          <a:lstStyle/>
-          <a:p>
-            <a:fld id="{5BFB5E66-A16E-4229-92CF-93185C8F662D}" type="datetime1">
-              <a:rPr lang="en-US" smtClean="0"/>
-              <a:pPr/>
-              <a:t>12/14/2020</a:t>
-            </a:fld>
-            <a:endParaRPr lang="en-US"/>
-          </a:p>
-        </p:txBody>
-      </p:sp>
-      <p:sp>
-        <p:nvSpPr>
-          <p:cNvPr id="6" name="Slide Number Placeholder 5"/>
-          <p:cNvSpPr>
-            <a:spLocks noGrp="1"/>
-          </p:cNvSpPr>
-          <p:nvPr>
-            <p:ph type="sldNum" sz="quarter" idx="12"/>
-          </p:nvPr>
-        </p:nvSpPr>
-        <p:spPr/>
-        <p:txBody>
-          <a:bodyPr/>
-          <a:lstStyle/>
-          <a:p>
-            <a:fld id="{95D180E8-EB14-450D-B51D-8F0D0403DD56}" type="slidenum">
-              <a:rPr lang="en-US" smtClean="0"/>
-              <a:pPr/>
-              <a:t>7</a:t>
-            </a:fld>
-            <a:endParaRPr lang="en-US"/>
-          </a:p>
-        </p:txBody>
-      </p:sp>
-      <p:sp>
-        <p:nvSpPr>
-          <p:cNvPr id="7" name="Footer Placeholder 6"/>
-          <p:cNvSpPr>
-            <a:spLocks noGrp="1"/>
-          </p:cNvSpPr>
-          <p:nvPr>
-            <p:ph type="ftr" sz="quarter" idx="11"/>
-          </p:nvPr>
-        </p:nvSpPr>
-        <p:spPr/>
-        <p:txBody>
-          <a:bodyPr/>
-          <a:lstStyle/>
-          <a:p>
-            <a:r>
-              <a:rPr lang="en-US" smtClean="0"/>
-              <a:t>Hotel Room booking Website</a:t>
-            </a:r>
-            <a:endParaRPr lang="en-US"/>
-          </a:p>
-        </p:txBody>
-      </p:sp>
     </p:spTree>
     <p:extLst>
       <p:ext uri="{BB962C8B-B14F-4D97-AF65-F5344CB8AC3E}">
-        <p14:creationId xmlns="" xmlns:p14="http://schemas.microsoft.com/office/powerpoint/2010/main" val="3722537886"/>
+        <p14:creationId xmlns:p14="http://schemas.microsoft.com/office/powerpoint/2010/main" xmlns="" val="3722537886"/>
       </p:ext>
     </p:extLst>
   </p:cSld>
@@ -7303,7 +7296,7 @@
           <p:cNvPr id="2" name="Title 1">
             <a:extLst>
               <a:ext uri="{FF2B5EF4-FFF2-40B4-BE49-F238E27FC236}">
-                <a16:creationId xmlns="" xmlns:a16="http://schemas.microsoft.com/office/drawing/2014/main" id="{A32A3E0B-712D-4CB4-B396-25B9F64BC061}"/>
+                <a16:creationId xmlns:a16="http://schemas.microsoft.com/office/drawing/2014/main" xmlns="" id="{A32A3E0B-712D-4CB4-B396-25B9F64BC061}"/>
               </a:ext>
             </a:extLst>
           </p:cNvPr>
@@ -7374,9 +7367,80 @@
           </a:p>
         </p:txBody>
       </p:sp>
+      <p:sp>
+        <p:nvSpPr>
+          <p:cNvPr id="5" name="Date Placeholder 4"/>
+          <p:cNvSpPr>
+            <a:spLocks noGrp="1"/>
+          </p:cNvSpPr>
+          <p:nvPr>
+            <p:ph type="dt" sz="half" idx="10"/>
+          </p:nvPr>
+        </p:nvSpPr>
+        <p:spPr/>
+        <p:txBody>
+          <a:bodyPr/>
+          <a:lstStyle/>
+          <a:p>
+            <a:fld id="{A4D80F5D-1618-4F71-A13C-856F2DB12752}" type="datetime1">
+              <a:rPr lang="en-US" smtClean="0"/>
+              <a:pPr/>
+              <a:t>12/15/2020</a:t>
+            </a:fld>
+            <a:endParaRPr lang="en-US"/>
+          </a:p>
+        </p:txBody>
+      </p:sp>
+      <p:sp>
+        <p:nvSpPr>
+          <p:cNvPr id="6" name="Slide Number Placeholder 5"/>
+          <p:cNvSpPr>
+            <a:spLocks noGrp="1"/>
+          </p:cNvSpPr>
+          <p:nvPr>
+            <p:ph type="sldNum" sz="quarter" idx="12"/>
+          </p:nvPr>
+        </p:nvSpPr>
+        <p:spPr/>
+        <p:txBody>
+          <a:bodyPr/>
+          <a:lstStyle/>
+          <a:p>
+            <a:fld id="{95D180E8-EB14-450D-B51D-8F0D0403DD56}" type="slidenum">
+              <a:rPr lang="en-US" smtClean="0"/>
+              <a:pPr/>
+              <a:t>8</a:t>
+            </a:fld>
+            <a:endParaRPr lang="en-US"/>
+          </a:p>
+        </p:txBody>
+      </p:sp>
+      <p:sp>
+        <p:nvSpPr>
+          <p:cNvPr id="7" name="Footer Placeholder 6"/>
+          <p:cNvSpPr>
+            <a:spLocks noGrp="1"/>
+          </p:cNvSpPr>
+          <p:nvPr>
+            <p:ph type="ftr" sz="quarter" idx="11"/>
+          </p:nvPr>
+        </p:nvSpPr>
+        <p:spPr/>
+        <p:txBody>
+          <a:bodyPr/>
+          <a:lstStyle/>
+          <a:p>
+            <a:r>
+              <a:rPr lang="en-US" smtClean="0"/>
+              <a:t>Hotel Room booking Website</a:t>
+            </a:r>
+            <a:endParaRPr lang="en-US"/>
+          </a:p>
+        </p:txBody>
+      </p:sp>
       <p:pic>
         <p:nvPicPr>
-          <p:cNvPr id="1026" name="Picture 2" descr="C:\Users\user\Desktop\WEB MINI\Snapshots\Admin.JPG"/>
+          <p:cNvPr id="2050" name="Picture 2" descr="C:\Users\user\Desktop\Hotel_Booking_Website\Snapshots\adminHome.JPG"/>
           <p:cNvPicPr>
             <a:picLocks noChangeAspect="1" noChangeArrowheads="1"/>
           </p:cNvPicPr>
@@ -7391,8 +7455,8 @@
         </p:blipFill>
         <p:spPr bwMode="auto">
           <a:xfrm>
-            <a:off x="444365" y="1580423"/>
-            <a:ext cx="10815818" cy="4663623"/>
+            <a:off x="290269" y="1810507"/>
+            <a:ext cx="11487150" cy="4224534"/>
           </a:xfrm>
           <a:prstGeom prst="rect">
             <a:avLst/>
@@ -7400,81 +7464,10 @@
           <a:noFill/>
         </p:spPr>
       </p:pic>
-      <p:sp>
-        <p:nvSpPr>
-          <p:cNvPr id="5" name="Date Placeholder 4"/>
-          <p:cNvSpPr>
-            <a:spLocks noGrp="1"/>
-          </p:cNvSpPr>
-          <p:nvPr>
-            <p:ph type="dt" sz="half" idx="10"/>
-          </p:nvPr>
-        </p:nvSpPr>
-        <p:spPr/>
-        <p:txBody>
-          <a:bodyPr/>
-          <a:lstStyle/>
-          <a:p>
-            <a:fld id="{A4D80F5D-1618-4F71-A13C-856F2DB12752}" type="datetime1">
-              <a:rPr lang="en-US" smtClean="0"/>
-              <a:pPr/>
-              <a:t>12/14/2020</a:t>
-            </a:fld>
-            <a:endParaRPr lang="en-US"/>
-          </a:p>
-        </p:txBody>
-      </p:sp>
-      <p:sp>
-        <p:nvSpPr>
-          <p:cNvPr id="6" name="Slide Number Placeholder 5"/>
-          <p:cNvSpPr>
-            <a:spLocks noGrp="1"/>
-          </p:cNvSpPr>
-          <p:nvPr>
-            <p:ph type="sldNum" sz="quarter" idx="12"/>
-          </p:nvPr>
-        </p:nvSpPr>
-        <p:spPr/>
-        <p:txBody>
-          <a:bodyPr/>
-          <a:lstStyle/>
-          <a:p>
-            <a:fld id="{95D180E8-EB14-450D-B51D-8F0D0403DD56}" type="slidenum">
-              <a:rPr lang="en-US" smtClean="0"/>
-              <a:pPr/>
-              <a:t>8</a:t>
-            </a:fld>
-            <a:endParaRPr lang="en-US"/>
-          </a:p>
-        </p:txBody>
-      </p:sp>
-      <p:sp>
-        <p:nvSpPr>
-          <p:cNvPr id="7" name="Footer Placeholder 6"/>
-          <p:cNvSpPr>
-            <a:spLocks noGrp="1"/>
-          </p:cNvSpPr>
-          <p:nvPr>
-            <p:ph type="ftr" sz="quarter" idx="11"/>
-          </p:nvPr>
-        </p:nvSpPr>
-        <p:spPr/>
-        <p:txBody>
-          <a:bodyPr/>
-          <a:lstStyle/>
-          <a:p>
-            <a:r>
-              <a:rPr lang="en-US" smtClean="0"/>
-              <a:t>Hotel Room booking Website</a:t>
-            </a:r>
-            <a:endParaRPr lang="en-US"/>
-          </a:p>
-        </p:txBody>
-      </p:sp>
     </p:spTree>
     <p:extLst>
       <p:ext uri="{BB962C8B-B14F-4D97-AF65-F5344CB8AC3E}">
-        <p14:creationId xmlns="" xmlns:p14="http://schemas.microsoft.com/office/powerpoint/2010/main" val="1548283126"/>
+        <p14:creationId xmlns:p14="http://schemas.microsoft.com/office/powerpoint/2010/main" xmlns="" val="1548283126"/>
       </p:ext>
     </p:extLst>
   </p:cSld>
@@ -7506,7 +7499,7 @@
           <p:cNvPr id="2" name="Title 1">
             <a:extLst>
               <a:ext uri="{FF2B5EF4-FFF2-40B4-BE49-F238E27FC236}">
-                <a16:creationId xmlns="" xmlns:a16="http://schemas.microsoft.com/office/drawing/2014/main" id="{1947A313-096A-4B87-866B-4EB697D0F7C9}"/>
+                <a16:creationId xmlns:a16="http://schemas.microsoft.com/office/drawing/2014/main" xmlns="" id="{1947A313-096A-4B87-866B-4EB697D0F7C9}"/>
               </a:ext>
             </a:extLst>
           </p:cNvPr>
@@ -7603,9 +7596,80 @@
           </a:p>
         </p:txBody>
       </p:sp>
+      <p:sp>
+        <p:nvSpPr>
+          <p:cNvPr id="5" name="Date Placeholder 4"/>
+          <p:cNvSpPr>
+            <a:spLocks noGrp="1"/>
+          </p:cNvSpPr>
+          <p:nvPr>
+            <p:ph type="dt" sz="half" idx="10"/>
+          </p:nvPr>
+        </p:nvSpPr>
+        <p:spPr/>
+        <p:txBody>
+          <a:bodyPr/>
+          <a:lstStyle/>
+          <a:p>
+            <a:fld id="{0155CF63-6B23-4D20-A644-C8D1992AD207}" type="datetime1">
+              <a:rPr lang="en-US" smtClean="0"/>
+              <a:pPr/>
+              <a:t>12/15/2020</a:t>
+            </a:fld>
+            <a:endParaRPr lang="en-US"/>
+          </a:p>
+        </p:txBody>
+      </p:sp>
+      <p:sp>
+        <p:nvSpPr>
+          <p:cNvPr id="6" name="Slide Number Placeholder 5"/>
+          <p:cNvSpPr>
+            <a:spLocks noGrp="1"/>
+          </p:cNvSpPr>
+          <p:nvPr>
+            <p:ph type="sldNum" sz="quarter" idx="12"/>
+          </p:nvPr>
+        </p:nvSpPr>
+        <p:spPr/>
+        <p:txBody>
+          <a:bodyPr/>
+          <a:lstStyle/>
+          <a:p>
+            <a:fld id="{95D180E8-EB14-450D-B51D-8F0D0403DD56}" type="slidenum">
+              <a:rPr lang="en-US" smtClean="0"/>
+              <a:pPr/>
+              <a:t>9</a:t>
+            </a:fld>
+            <a:endParaRPr lang="en-US"/>
+          </a:p>
+        </p:txBody>
+      </p:sp>
+      <p:sp>
+        <p:nvSpPr>
+          <p:cNvPr id="7" name="Footer Placeholder 6"/>
+          <p:cNvSpPr>
+            <a:spLocks noGrp="1"/>
+          </p:cNvSpPr>
+          <p:nvPr>
+            <p:ph type="ftr" sz="quarter" idx="11"/>
+          </p:nvPr>
+        </p:nvSpPr>
+        <p:spPr/>
+        <p:txBody>
+          <a:bodyPr/>
+          <a:lstStyle/>
+          <a:p>
+            <a:r>
+              <a:rPr lang="en-US" smtClean="0"/>
+              <a:t>Hotel Room booking Website</a:t>
+            </a:r>
+            <a:endParaRPr lang="en-US"/>
+          </a:p>
+        </p:txBody>
+      </p:sp>
       <p:pic>
         <p:nvPicPr>
-          <p:cNvPr id="2050" name="Picture 2" descr="C:\Users\user\Desktop\WEB MINI\Snapshots\room.JPG"/>
+          <p:cNvPr id="3074" name="Picture 2" descr="C:\Users\user\Desktop\Hotel_Booking_Website\Snapshots\roomlistAdmin.JPG"/>
           <p:cNvPicPr>
             <a:picLocks noChangeAspect="1" noChangeArrowheads="1"/>
           </p:cNvPicPr>
@@ -7620,8 +7684,8 @@
         </p:blipFill>
         <p:spPr bwMode="auto">
           <a:xfrm>
-            <a:off x="1045028" y="1824491"/>
-            <a:ext cx="9614263" cy="3962354"/>
+            <a:off x="723340" y="1821424"/>
+            <a:ext cx="10841131" cy="4095281"/>
           </a:xfrm>
           <a:prstGeom prst="rect">
             <a:avLst/>
@@ -7629,81 +7693,10 @@
           <a:noFill/>
         </p:spPr>
       </p:pic>
-      <p:sp>
-        <p:nvSpPr>
-          <p:cNvPr id="5" name="Date Placeholder 4"/>
-          <p:cNvSpPr>
-            <a:spLocks noGrp="1"/>
-          </p:cNvSpPr>
-          <p:nvPr>
-            <p:ph type="dt" sz="half" idx="10"/>
-          </p:nvPr>
-        </p:nvSpPr>
-        <p:spPr/>
-        <p:txBody>
-          <a:bodyPr/>
-          <a:lstStyle/>
-          <a:p>
-            <a:fld id="{0155CF63-6B23-4D20-A644-C8D1992AD207}" type="datetime1">
-              <a:rPr lang="en-US" smtClean="0"/>
-              <a:pPr/>
-              <a:t>12/14/2020</a:t>
-            </a:fld>
-            <a:endParaRPr lang="en-US"/>
-          </a:p>
-        </p:txBody>
-      </p:sp>
-      <p:sp>
-        <p:nvSpPr>
-          <p:cNvPr id="6" name="Slide Number Placeholder 5"/>
-          <p:cNvSpPr>
-            <a:spLocks noGrp="1"/>
-          </p:cNvSpPr>
-          <p:nvPr>
-            <p:ph type="sldNum" sz="quarter" idx="12"/>
-          </p:nvPr>
-        </p:nvSpPr>
-        <p:spPr/>
-        <p:txBody>
-          <a:bodyPr/>
-          <a:lstStyle/>
-          <a:p>
-            <a:fld id="{95D180E8-EB14-450D-B51D-8F0D0403DD56}" type="slidenum">
-              <a:rPr lang="en-US" smtClean="0"/>
-              <a:pPr/>
-              <a:t>9</a:t>
-            </a:fld>
-            <a:endParaRPr lang="en-US"/>
-          </a:p>
-        </p:txBody>
-      </p:sp>
-      <p:sp>
-        <p:nvSpPr>
-          <p:cNvPr id="7" name="Footer Placeholder 6"/>
-          <p:cNvSpPr>
-            <a:spLocks noGrp="1"/>
-          </p:cNvSpPr>
-          <p:nvPr>
-            <p:ph type="ftr" sz="quarter" idx="11"/>
-          </p:nvPr>
-        </p:nvSpPr>
-        <p:spPr/>
-        <p:txBody>
-          <a:bodyPr/>
-          <a:lstStyle/>
-          <a:p>
-            <a:r>
-              <a:rPr lang="en-US" smtClean="0"/>
-              <a:t>Hotel Room booking Website</a:t>
-            </a:r>
-            <a:endParaRPr lang="en-US"/>
-          </a:p>
-        </p:txBody>
-      </p:sp>
     </p:spTree>
     <p:extLst>
       <p:ext uri="{BB962C8B-B14F-4D97-AF65-F5344CB8AC3E}">
-        <p14:creationId xmlns="" xmlns:p14="http://schemas.microsoft.com/office/powerpoint/2010/main" val="2730648672"/>
+        <p14:creationId xmlns:p14="http://schemas.microsoft.com/office/powerpoint/2010/main" xmlns="" val="2730648672"/>
       </p:ext>
     </p:extLst>
   </p:cSld>
@@ -8002,7 +7995,7 @@
   <a:extraClrSchemeLst/>
   <a:extLst>
     <a:ext uri="{05A4C25C-085E-4340-85A3-A5531E510DB2}">
-      <thm15:themeFamily xmlns="" xmlns:thm15="http://schemas.microsoft.com/office/thememl/2012/main" name="Office Theme" id="{62F939B6-93AF-4DB8-9C6B-D6C7DFDC589F}" vid="{4A3C46E8-61CC-4603-A589-7422A47A8E4A}"/>
+      <thm15:themeFamily xmlns:thm15="http://schemas.microsoft.com/office/thememl/2012/main" xmlns="" name="Office Theme" id="{62F939B6-93AF-4DB8-9C6B-D6C7DFDC589F}" vid="{4A3C46E8-61CC-4603-A589-7422A47A8E4A}"/>
     </a:ext>
   </a:extLst>
 </a:theme>
